--- a/Stroke_Anaylsis_Presentation(final) (1).pptx
+++ b/Stroke_Anaylsis_Presentation(final) (1).pptx
@@ -11,6 +11,12 @@
     <p:sldId id="287" r:id="rId5"/>
     <p:sldId id="284" r:id="rId6"/>
     <p:sldId id="288" r:id="rId7"/>
+    <p:sldId id="289" r:id="rId8"/>
+    <p:sldId id="292" r:id="rId9"/>
+    <p:sldId id="293" r:id="rId10"/>
+    <p:sldId id="294" r:id="rId11"/>
+    <p:sldId id="290" r:id="rId12"/>
+    <p:sldId id="295" r:id="rId13"/>
   </p:sldIdLst>
   <p:sldSz cx="12192000" cy="6858000"/>
   <p:notesSz cx="6858000" cy="9144000"/>
@@ -132,7 +138,7 @@
 <file path=ppt/revisionInfo.xml><?xml version="1.0" encoding="utf-8"?>
 <p1510:revInfo xmlns:a="http://schemas.openxmlformats.org/drawingml/2006/main" xmlns:r="http://schemas.openxmlformats.org/officeDocument/2006/relationships" xmlns:p1510="http://schemas.microsoft.com/office/powerpoint/2015/10/main">
   <p1510:revLst>
-    <p1510:client id="{8B39D111-DF5E-47AA-AE6B-FA8520D83B01}" v="58" dt="2022-12-07T01:10:33.402"/>
+    <p1510:client id="{8B39D111-DF5E-47AA-AE6B-FA8520D83B01}" v="91" dt="2022-12-07T03:41:09.530"/>
   </p1510:revLst>
 </p1510:revInfo>
 </file>
@@ -142,18 +148,18 @@
   <pc:docChgLst>
     <pc:chgData name="Paul Serna" userId="ebf308b099793f17" providerId="LiveId" clId="{8B39D111-DF5E-47AA-AE6B-FA8520D83B01}"/>
     <pc:docChg chg="undo custSel addSld delSld modSld sldOrd">
-      <pc:chgData name="Paul Serna" userId="ebf308b099793f17" providerId="LiveId" clId="{8B39D111-DF5E-47AA-AE6B-FA8520D83B01}" dt="2022-12-07T01:10:33.402" v="369" actId="113"/>
+      <pc:chgData name="Paul Serna" userId="ebf308b099793f17" providerId="LiveId" clId="{8B39D111-DF5E-47AA-AE6B-FA8520D83B01}" dt="2022-12-07T03:41:23.742" v="563" actId="26606"/>
       <pc:docMkLst>
         <pc:docMk/>
       </pc:docMkLst>
       <pc:sldChg chg="modSp mod">
-        <pc:chgData name="Paul Serna" userId="ebf308b099793f17" providerId="LiveId" clId="{8B39D111-DF5E-47AA-AE6B-FA8520D83B01}" dt="2022-12-07T01:00:29.669" v="187" actId="208"/>
+        <pc:chgData name="Paul Serna" userId="ebf308b099793f17" providerId="LiveId" clId="{8B39D111-DF5E-47AA-AE6B-FA8520D83B01}" dt="2022-12-07T03:37:09.497" v="519" actId="313"/>
         <pc:sldMkLst>
           <pc:docMk/>
           <pc:sldMk cId="3583891452" sldId="281"/>
         </pc:sldMkLst>
         <pc:spChg chg="mod">
-          <ac:chgData name="Paul Serna" userId="ebf308b099793f17" providerId="LiveId" clId="{8B39D111-DF5E-47AA-AE6B-FA8520D83B01}" dt="2022-12-07T01:00:29.669" v="187" actId="208"/>
+          <ac:chgData name="Paul Serna" userId="ebf308b099793f17" providerId="LiveId" clId="{8B39D111-DF5E-47AA-AE6B-FA8520D83B01}" dt="2022-12-07T03:37:09.497" v="519" actId="313"/>
           <ac:spMkLst>
             <pc:docMk/>
             <pc:sldMk cId="3583891452" sldId="281"/>
@@ -162,13 +168,13 @@
         </pc:spChg>
       </pc:sldChg>
       <pc:sldChg chg="addSp delSp modSp mod ord delAnim setClrOvrMap">
-        <pc:chgData name="Paul Serna" userId="ebf308b099793f17" providerId="LiveId" clId="{8B39D111-DF5E-47AA-AE6B-FA8520D83B01}" dt="2022-12-07T01:03:37.508" v="237" actId="255"/>
+        <pc:chgData name="Paul Serna" userId="ebf308b099793f17" providerId="LiveId" clId="{8B39D111-DF5E-47AA-AE6B-FA8520D83B01}" dt="2022-12-07T03:02:20.351" v="407" actId="6549"/>
         <pc:sldMkLst>
           <pc:docMk/>
           <pc:sldMk cId="3172748136" sldId="284"/>
         </pc:sldMkLst>
         <pc:spChg chg="add mod">
-          <ac:chgData name="Paul Serna" userId="ebf308b099793f17" providerId="LiveId" clId="{8B39D111-DF5E-47AA-AE6B-FA8520D83B01}" dt="2022-12-07T01:03:37.508" v="237" actId="255"/>
+          <ac:chgData name="Paul Serna" userId="ebf308b099793f17" providerId="LiveId" clId="{8B39D111-DF5E-47AA-AE6B-FA8520D83B01}" dt="2022-12-07T03:02:20.351" v="407" actId="6549"/>
           <ac:spMkLst>
             <pc:docMk/>
             <pc:sldMk cId="3172748136" sldId="284"/>
@@ -652,6 +658,391 @@
           </ac:picMkLst>
         </pc:picChg>
       </pc:sldChg>
+      <pc:sldChg chg="addSp delSp modSp new mod setBg">
+        <pc:chgData name="Paul Serna" userId="ebf308b099793f17" providerId="LiveId" clId="{8B39D111-DF5E-47AA-AE6B-FA8520D83B01}" dt="2022-12-07T03:30:38.655" v="470" actId="26606"/>
+        <pc:sldMkLst>
+          <pc:docMk/>
+          <pc:sldMk cId="3425648627" sldId="289"/>
+        </pc:sldMkLst>
+        <pc:spChg chg="mod ord">
+          <ac:chgData name="Paul Serna" userId="ebf308b099793f17" providerId="LiveId" clId="{8B39D111-DF5E-47AA-AE6B-FA8520D83B01}" dt="2022-12-07T03:30:38.655" v="470" actId="26606"/>
+          <ac:spMkLst>
+            <pc:docMk/>
+            <pc:sldMk cId="3425648627" sldId="289"/>
+            <ac:spMk id="2" creationId="{42517F31-7A94-8E68-5036-B146EE9CA514}"/>
+          </ac:spMkLst>
+        </pc:spChg>
+        <pc:spChg chg="add del">
+          <ac:chgData name="Paul Serna" userId="ebf308b099793f17" providerId="LiveId" clId="{8B39D111-DF5E-47AA-AE6B-FA8520D83B01}" dt="2022-12-07T03:17:49.722" v="432"/>
+          <ac:spMkLst>
+            <pc:docMk/>
+            <pc:sldMk cId="3425648627" sldId="289"/>
+            <ac:spMk id="4" creationId="{A5F10849-5B9E-604E-6DEC-453048C8643C}"/>
+          </ac:spMkLst>
+        </pc:spChg>
+        <pc:spChg chg="add del mod">
+          <ac:chgData name="Paul Serna" userId="ebf308b099793f17" providerId="LiveId" clId="{8B39D111-DF5E-47AA-AE6B-FA8520D83B01}" dt="2022-12-07T03:17:48.080" v="431"/>
+          <ac:spMkLst>
+            <pc:docMk/>
+            <pc:sldMk cId="3425648627" sldId="289"/>
+            <ac:spMk id="5" creationId="{80612B32-2ADF-EE43-1C66-7DCA0CD38EDE}"/>
+          </ac:spMkLst>
+        </pc:spChg>
+        <pc:spChg chg="add del">
+          <ac:chgData name="Paul Serna" userId="ebf308b099793f17" providerId="LiveId" clId="{8B39D111-DF5E-47AA-AE6B-FA8520D83B01}" dt="2022-12-07T03:26:15.461" v="434"/>
+          <ac:spMkLst>
+            <pc:docMk/>
+            <pc:sldMk cId="3425648627" sldId="289"/>
+            <ac:spMk id="6" creationId="{F6DED84F-95B4-B848-73F9-3F54D9FF2DB4}"/>
+          </ac:spMkLst>
+        </pc:spChg>
+        <pc:spChg chg="add del">
+          <ac:chgData name="Paul Serna" userId="ebf308b099793f17" providerId="LiveId" clId="{8B39D111-DF5E-47AA-AE6B-FA8520D83B01}" dt="2022-12-07T03:30:38.655" v="470" actId="26606"/>
+          <ac:spMkLst>
+            <pc:docMk/>
+            <pc:sldMk cId="3425648627" sldId="289"/>
+            <ac:spMk id="8" creationId="{06DA9DF9-31F7-4056-B42E-878CC92417B8}"/>
+          </ac:spMkLst>
+        </pc:spChg>
+        <pc:spChg chg="add">
+          <ac:chgData name="Paul Serna" userId="ebf308b099793f17" providerId="LiveId" clId="{8B39D111-DF5E-47AA-AE6B-FA8520D83B01}" dt="2022-12-07T03:30:38.655" v="470" actId="26606"/>
+          <ac:spMkLst>
+            <pc:docMk/>
+            <pc:sldMk cId="3425648627" sldId="289"/>
+            <ac:spMk id="13" creationId="{6CCA5F87-1D1E-45CB-8D83-FC7EEFAD9935}"/>
+          </ac:spMkLst>
+        </pc:spChg>
+        <pc:spChg chg="add">
+          <ac:chgData name="Paul Serna" userId="ebf308b099793f17" providerId="LiveId" clId="{8B39D111-DF5E-47AA-AE6B-FA8520D83B01}" dt="2022-12-07T03:30:38.655" v="470" actId="26606"/>
+          <ac:spMkLst>
+            <pc:docMk/>
+            <pc:sldMk cId="3425648627" sldId="289"/>
+            <ac:spMk id="15" creationId="{7CCFC2C6-6238-4A2F-93DE-2ADF74AF635E}"/>
+          </ac:spMkLst>
+        </pc:spChg>
+        <pc:spChg chg="add">
+          <ac:chgData name="Paul Serna" userId="ebf308b099793f17" providerId="LiveId" clId="{8B39D111-DF5E-47AA-AE6B-FA8520D83B01}" dt="2022-12-07T03:30:38.655" v="470" actId="26606"/>
+          <ac:spMkLst>
+            <pc:docMk/>
+            <pc:sldMk cId="3425648627" sldId="289"/>
+            <ac:spMk id="17" creationId="{AF2F604E-43BE-4DC3-B983-E071523364F8}"/>
+          </ac:spMkLst>
+        </pc:spChg>
+        <pc:spChg chg="add">
+          <ac:chgData name="Paul Serna" userId="ebf308b099793f17" providerId="LiveId" clId="{8B39D111-DF5E-47AA-AE6B-FA8520D83B01}" dt="2022-12-07T03:30:38.655" v="470" actId="26606"/>
+          <ac:spMkLst>
+            <pc:docMk/>
+            <pc:sldMk cId="3425648627" sldId="289"/>
+            <ac:spMk id="19" creationId="{08C9B587-E65E-4B52-B37C-ABEBB6E87928}"/>
+          </ac:spMkLst>
+        </pc:spChg>
+        <pc:picChg chg="add mod">
+          <ac:chgData name="Paul Serna" userId="ebf308b099793f17" providerId="LiveId" clId="{8B39D111-DF5E-47AA-AE6B-FA8520D83B01}" dt="2022-12-07T03:30:38.655" v="470" actId="26606"/>
+          <ac:picMkLst>
+            <pc:docMk/>
+            <pc:sldMk cId="3425648627" sldId="289"/>
+            <ac:picMk id="3" creationId="{6173A93C-BC08-8AC6-0A6E-D3DE79061F7D}"/>
+          </ac:picMkLst>
+        </pc:picChg>
+      </pc:sldChg>
+      <pc:sldChg chg="addSp delSp modSp add mod ord addAnim">
+        <pc:chgData name="Paul Serna" userId="ebf308b099793f17" providerId="LiveId" clId="{8B39D111-DF5E-47AA-AE6B-FA8520D83B01}" dt="2022-12-07T03:09:13.802" v="426" actId="14100"/>
+        <pc:sldMkLst>
+          <pc:docMk/>
+          <pc:sldMk cId="1433634384" sldId="290"/>
+        </pc:sldMkLst>
+        <pc:spChg chg="mod ord">
+          <ac:chgData name="Paul Serna" userId="ebf308b099793f17" providerId="LiveId" clId="{8B39D111-DF5E-47AA-AE6B-FA8520D83B01}" dt="2022-12-07T03:09:05.703" v="424" actId="1076"/>
+          <ac:spMkLst>
+            <pc:docMk/>
+            <pc:sldMk cId="1433634384" sldId="290"/>
+            <ac:spMk id="3" creationId="{A0AD3EDA-B322-6232-00CA-8F2A04186F4C}"/>
+          </ac:spMkLst>
+        </pc:spChg>
+        <pc:spChg chg="del">
+          <ac:chgData name="Paul Serna" userId="ebf308b099793f17" providerId="LiveId" clId="{8B39D111-DF5E-47AA-AE6B-FA8520D83B01}" dt="2022-12-07T03:08:51.951" v="420" actId="26606"/>
+          <ac:spMkLst>
+            <pc:docMk/>
+            <pc:sldMk cId="1433634384" sldId="290"/>
+            <ac:spMk id="47" creationId="{B4D3D850-2041-4B7C-AED9-54DA385B14F7}"/>
+          </ac:spMkLst>
+        </pc:spChg>
+        <pc:spChg chg="del">
+          <ac:chgData name="Paul Serna" userId="ebf308b099793f17" providerId="LiveId" clId="{8B39D111-DF5E-47AA-AE6B-FA8520D83B01}" dt="2022-12-07T03:08:51.951" v="420" actId="26606"/>
+          <ac:spMkLst>
+            <pc:docMk/>
+            <pc:sldMk cId="1433634384" sldId="290"/>
+            <ac:spMk id="49" creationId="{B497CCB5-5FC2-473C-AFCC-2430CEF1DF71}"/>
+          </ac:spMkLst>
+        </pc:spChg>
+        <pc:spChg chg="del">
+          <ac:chgData name="Paul Serna" userId="ebf308b099793f17" providerId="LiveId" clId="{8B39D111-DF5E-47AA-AE6B-FA8520D83B01}" dt="2022-12-07T03:08:51.951" v="420" actId="26606"/>
+          <ac:spMkLst>
+            <pc:docMk/>
+            <pc:sldMk cId="1433634384" sldId="290"/>
+            <ac:spMk id="51" creationId="{599C8C75-BFDF-44E7-A028-EEB5EDD58817}"/>
+          </ac:spMkLst>
+        </pc:spChg>
+        <pc:spChg chg="add">
+          <ac:chgData name="Paul Serna" userId="ebf308b099793f17" providerId="LiveId" clId="{8B39D111-DF5E-47AA-AE6B-FA8520D83B01}" dt="2022-12-07T03:08:51.951" v="420" actId="26606"/>
+          <ac:spMkLst>
+            <pc:docMk/>
+            <pc:sldMk cId="1433634384" sldId="290"/>
+            <ac:spMk id="56" creationId="{848F64AA-5BE2-4280-BEFA-DC288118FCCE}"/>
+          </ac:spMkLst>
+        </pc:spChg>
+        <pc:picChg chg="mod">
+          <ac:chgData name="Paul Serna" userId="ebf308b099793f17" providerId="LiveId" clId="{8B39D111-DF5E-47AA-AE6B-FA8520D83B01}" dt="2022-12-07T03:08:51.951" v="420" actId="26606"/>
+          <ac:picMkLst>
+            <pc:docMk/>
+            <pc:sldMk cId="1433634384" sldId="290"/>
+            <ac:picMk id="4" creationId="{7D5428A4-A1A7-284E-7E74-C479CFD2BA71}"/>
+          </ac:picMkLst>
+        </pc:picChg>
+        <pc:picChg chg="mod ord">
+          <ac:chgData name="Paul Serna" userId="ebf308b099793f17" providerId="LiveId" clId="{8B39D111-DF5E-47AA-AE6B-FA8520D83B01}" dt="2022-12-07T03:08:51.951" v="420" actId="26606"/>
+          <ac:picMkLst>
+            <pc:docMk/>
+            <pc:sldMk cId="1433634384" sldId="290"/>
+            <ac:picMk id="5" creationId="{D7B0A4E9-5D34-1B2C-758E-05534C62C045}"/>
+          </ac:picMkLst>
+        </pc:picChg>
+        <pc:picChg chg="add mod">
+          <ac:chgData name="Paul Serna" userId="ebf308b099793f17" providerId="LiveId" clId="{8B39D111-DF5E-47AA-AE6B-FA8520D83B01}" dt="2022-12-07T03:09:13.802" v="426" actId="14100"/>
+          <ac:picMkLst>
+            <pc:docMk/>
+            <pc:sldMk cId="1433634384" sldId="290"/>
+            <ac:picMk id="6" creationId="{5C418093-3EF1-4185-8C99-D25E2AAC3EEE}"/>
+          </ac:picMkLst>
+        </pc:picChg>
+      </pc:sldChg>
+      <pc:sldChg chg="addSp modSp new del">
+        <pc:chgData name="Paul Serna" userId="ebf308b099793f17" providerId="LiveId" clId="{8B39D111-DF5E-47AA-AE6B-FA8520D83B01}" dt="2022-12-07T03:31:54.146" v="480" actId="2696"/>
+        <pc:sldMkLst>
+          <pc:docMk/>
+          <pc:sldMk cId="504692560" sldId="291"/>
+        </pc:sldMkLst>
+        <pc:picChg chg="add mod">
+          <ac:chgData name="Paul Serna" userId="ebf308b099793f17" providerId="LiveId" clId="{8B39D111-DF5E-47AA-AE6B-FA8520D83B01}" dt="2022-12-07T03:29:55.582" v="469" actId="14100"/>
+          <ac:picMkLst>
+            <pc:docMk/>
+            <pc:sldMk cId="504692560" sldId="291"/>
+            <ac:picMk id="5" creationId="{AD5C28BB-D36F-7753-0400-E1FDBB92C62C}"/>
+          </ac:picMkLst>
+        </pc:picChg>
+      </pc:sldChg>
+      <pc:sldChg chg="addSp delSp modSp new mod ord setBg modClrScheme chgLayout">
+        <pc:chgData name="Paul Serna" userId="ebf308b099793f17" providerId="LiveId" clId="{8B39D111-DF5E-47AA-AE6B-FA8520D83B01}" dt="2022-12-07T03:38:59.182" v="526" actId="14100"/>
+        <pc:sldMkLst>
+          <pc:docMk/>
+          <pc:sldMk cId="3991494421" sldId="292"/>
+        </pc:sldMkLst>
+        <pc:spChg chg="del mod ord">
+          <ac:chgData name="Paul Serna" userId="ebf308b099793f17" providerId="LiveId" clId="{8B39D111-DF5E-47AA-AE6B-FA8520D83B01}" dt="2022-12-07T03:31:27.369" v="475" actId="700"/>
+          <ac:spMkLst>
+            <pc:docMk/>
+            <pc:sldMk cId="3991494421" sldId="292"/>
+            <ac:spMk id="2" creationId="{CB3AA1F7-13F7-C6C2-E63A-737FF7D25F52}"/>
+          </ac:spMkLst>
+        </pc:spChg>
+        <pc:spChg chg="add del mod ord">
+          <ac:chgData name="Paul Serna" userId="ebf308b099793f17" providerId="LiveId" clId="{8B39D111-DF5E-47AA-AE6B-FA8520D83B01}" dt="2022-12-07T03:31:33.081" v="476" actId="700"/>
+          <ac:spMkLst>
+            <pc:docMk/>
+            <pc:sldMk cId="3991494421" sldId="292"/>
+            <ac:spMk id="4" creationId="{8A33436D-31DB-2B26-8FFB-AD53F3E9A83D}"/>
+          </ac:spMkLst>
+        </pc:spChg>
+        <pc:spChg chg="add del mod ord">
+          <ac:chgData name="Paul Serna" userId="ebf308b099793f17" providerId="LiveId" clId="{8B39D111-DF5E-47AA-AE6B-FA8520D83B01}" dt="2022-12-07T03:31:33.081" v="476" actId="700"/>
+          <ac:spMkLst>
+            <pc:docMk/>
+            <pc:sldMk cId="3991494421" sldId="292"/>
+            <ac:spMk id="5" creationId="{809AB243-93C1-0A60-BA7F-C4C10BBA5B3D}"/>
+          </ac:spMkLst>
+        </pc:spChg>
+        <pc:spChg chg="add del mod ord">
+          <ac:chgData name="Paul Serna" userId="ebf308b099793f17" providerId="LiveId" clId="{8B39D111-DF5E-47AA-AE6B-FA8520D83B01}" dt="2022-12-07T03:31:33.081" v="476" actId="700"/>
+          <ac:spMkLst>
+            <pc:docMk/>
+            <pc:sldMk cId="3991494421" sldId="292"/>
+            <ac:spMk id="6" creationId="{35EA7046-1071-1705-617F-0F79EBC34FD4}"/>
+          </ac:spMkLst>
+        </pc:spChg>
+        <pc:spChg chg="add mod ord">
+          <ac:chgData name="Paul Serna" userId="ebf308b099793f17" providerId="LiveId" clId="{8B39D111-DF5E-47AA-AE6B-FA8520D83B01}" dt="2022-12-07T03:36:22.757" v="498" actId="313"/>
+          <ac:spMkLst>
+            <pc:docMk/>
+            <pc:sldMk cId="3991494421" sldId="292"/>
+            <ac:spMk id="7" creationId="{7803E918-73CB-6F56-5DF4-AA84C270A813}"/>
+          </ac:spMkLst>
+        </pc:spChg>
+        <pc:spChg chg="add del mod ord">
+          <ac:chgData name="Paul Serna" userId="ebf308b099793f17" providerId="LiveId" clId="{8B39D111-DF5E-47AA-AE6B-FA8520D83B01}" dt="2022-12-07T03:38:42.818" v="520" actId="931"/>
+          <ac:spMkLst>
+            <pc:docMk/>
+            <pc:sldMk cId="3991494421" sldId="292"/>
+            <ac:spMk id="8" creationId="{F00AD5CF-1310-A5FA-581E-B45EB1EE7BC6}"/>
+          </ac:spMkLst>
+        </pc:spChg>
+        <pc:picChg chg="add mod">
+          <ac:chgData name="Paul Serna" userId="ebf308b099793f17" providerId="LiveId" clId="{8B39D111-DF5E-47AA-AE6B-FA8520D83B01}" dt="2022-12-07T03:31:42.571" v="477" actId="26606"/>
+          <ac:picMkLst>
+            <pc:docMk/>
+            <pc:sldMk cId="3991494421" sldId="292"/>
+            <ac:picMk id="3" creationId="{F72F0B21-084E-2971-41B9-0ABAF508D4C3}"/>
+          </ac:picMkLst>
+        </pc:picChg>
+        <pc:picChg chg="add mod">
+          <ac:chgData name="Paul Serna" userId="ebf308b099793f17" providerId="LiveId" clId="{8B39D111-DF5E-47AA-AE6B-FA8520D83B01}" dt="2022-12-07T03:38:59.182" v="526" actId="14100"/>
+          <ac:picMkLst>
+            <pc:docMk/>
+            <pc:sldMk cId="3991494421" sldId="292"/>
+            <ac:picMk id="10" creationId="{2C1AE5BC-3F58-2FDC-7169-26B418CE8BA0}"/>
+          </ac:picMkLst>
+        </pc:picChg>
+      </pc:sldChg>
+      <pc:sldChg chg="addSp delSp modSp add mod">
+        <pc:chgData name="Paul Serna" userId="ebf308b099793f17" providerId="LiveId" clId="{8B39D111-DF5E-47AA-AE6B-FA8520D83B01}" dt="2022-12-07T03:39:48.585" v="536" actId="1076"/>
+        <pc:sldMkLst>
+          <pc:docMk/>
+          <pc:sldMk cId="2782845175" sldId="293"/>
+        </pc:sldMkLst>
+        <pc:spChg chg="add del mod">
+          <ac:chgData name="Paul Serna" userId="ebf308b099793f17" providerId="LiveId" clId="{8B39D111-DF5E-47AA-AE6B-FA8520D83B01}" dt="2022-12-07T03:39:34.786" v="529" actId="931"/>
+          <ac:spMkLst>
+            <pc:docMk/>
+            <pc:sldMk cId="2782845175" sldId="293"/>
+            <ac:spMk id="4" creationId="{16519735-28FA-6204-C55D-4B9FD00B3027}"/>
+          </ac:spMkLst>
+        </pc:spChg>
+        <pc:picChg chg="add mod">
+          <ac:chgData name="Paul Serna" userId="ebf308b099793f17" providerId="LiveId" clId="{8B39D111-DF5E-47AA-AE6B-FA8520D83B01}" dt="2022-12-07T03:39:48.585" v="536" actId="1076"/>
+          <ac:picMkLst>
+            <pc:docMk/>
+            <pc:sldMk cId="2782845175" sldId="293"/>
+            <ac:picMk id="6" creationId="{6E243664-4CFF-F521-9FD2-FB1D964FCC25}"/>
+          </ac:picMkLst>
+        </pc:picChg>
+        <pc:picChg chg="del">
+          <ac:chgData name="Paul Serna" userId="ebf308b099793f17" providerId="LiveId" clId="{8B39D111-DF5E-47AA-AE6B-FA8520D83B01}" dt="2022-12-07T03:39:22.727" v="528" actId="21"/>
+          <ac:picMkLst>
+            <pc:docMk/>
+            <pc:sldMk cId="2782845175" sldId="293"/>
+            <ac:picMk id="10" creationId="{2C1AE5BC-3F58-2FDC-7169-26B418CE8BA0}"/>
+          </ac:picMkLst>
+        </pc:picChg>
+      </pc:sldChg>
+      <pc:sldChg chg="addSp delSp modSp add mod">
+        <pc:chgData name="Paul Serna" userId="ebf308b099793f17" providerId="LiveId" clId="{8B39D111-DF5E-47AA-AE6B-FA8520D83B01}" dt="2022-12-07T03:40:36.702" v="545" actId="1076"/>
+        <pc:sldMkLst>
+          <pc:docMk/>
+          <pc:sldMk cId="2637918752" sldId="294"/>
+        </pc:sldMkLst>
+        <pc:spChg chg="add del mod">
+          <ac:chgData name="Paul Serna" userId="ebf308b099793f17" providerId="LiveId" clId="{8B39D111-DF5E-47AA-AE6B-FA8520D83B01}" dt="2022-12-07T03:40:22.906" v="539" actId="931"/>
+          <ac:spMkLst>
+            <pc:docMk/>
+            <pc:sldMk cId="2637918752" sldId="294"/>
+            <ac:spMk id="4" creationId="{A82FBFAF-1D5C-09AA-416F-F968BA53B2BD}"/>
+          </ac:spMkLst>
+        </pc:spChg>
+        <pc:picChg chg="del">
+          <ac:chgData name="Paul Serna" userId="ebf308b099793f17" providerId="LiveId" clId="{8B39D111-DF5E-47AA-AE6B-FA8520D83B01}" dt="2022-12-07T03:40:08.343" v="538" actId="21"/>
+          <ac:picMkLst>
+            <pc:docMk/>
+            <pc:sldMk cId="2637918752" sldId="294"/>
+            <ac:picMk id="6" creationId="{6E243664-4CFF-F521-9FD2-FB1D964FCC25}"/>
+          </ac:picMkLst>
+        </pc:picChg>
+        <pc:picChg chg="add mod">
+          <ac:chgData name="Paul Serna" userId="ebf308b099793f17" providerId="LiveId" clId="{8B39D111-DF5E-47AA-AE6B-FA8520D83B01}" dt="2022-12-07T03:40:36.702" v="545" actId="1076"/>
+          <ac:picMkLst>
+            <pc:docMk/>
+            <pc:sldMk cId="2637918752" sldId="294"/>
+            <ac:picMk id="8" creationId="{F975B10D-427B-287E-C583-8DB462A4F027}"/>
+          </ac:picMkLst>
+        </pc:picChg>
+      </pc:sldChg>
+      <pc:sldChg chg="addSp delSp modSp add mod">
+        <pc:chgData name="Paul Serna" userId="ebf308b099793f17" providerId="LiveId" clId="{8B39D111-DF5E-47AA-AE6B-FA8520D83B01}" dt="2022-12-07T03:41:23.742" v="563" actId="26606"/>
+        <pc:sldMkLst>
+          <pc:docMk/>
+          <pc:sldMk cId="1757139118" sldId="295"/>
+        </pc:sldMkLst>
+        <pc:spChg chg="mod ord">
+          <ac:chgData name="Paul Serna" userId="ebf308b099793f17" providerId="LiveId" clId="{8B39D111-DF5E-47AA-AE6B-FA8520D83B01}" dt="2022-12-07T03:41:23.742" v="563" actId="26606"/>
+          <ac:spMkLst>
+            <pc:docMk/>
+            <pc:sldMk cId="1757139118" sldId="295"/>
+            <ac:spMk id="3" creationId="{A0AD3EDA-B322-6232-00CA-8F2A04186F4C}"/>
+          </ac:spMkLst>
+        </pc:spChg>
+        <pc:spChg chg="del">
+          <ac:chgData name="Paul Serna" userId="ebf308b099793f17" providerId="LiveId" clId="{8B39D111-DF5E-47AA-AE6B-FA8520D83B01}" dt="2022-12-07T03:41:23.742" v="563" actId="26606"/>
+          <ac:spMkLst>
+            <pc:docMk/>
+            <pc:sldMk cId="1757139118" sldId="295"/>
+            <ac:spMk id="56" creationId="{848F64AA-5BE2-4280-BEFA-DC288118FCCE}"/>
+          </ac:spMkLst>
+        </pc:spChg>
+        <pc:spChg chg="add">
+          <ac:chgData name="Paul Serna" userId="ebf308b099793f17" providerId="LiveId" clId="{8B39D111-DF5E-47AA-AE6B-FA8520D83B01}" dt="2022-12-07T03:41:23.742" v="563" actId="26606"/>
+          <ac:spMkLst>
+            <pc:docMk/>
+            <pc:sldMk cId="1757139118" sldId="295"/>
+            <ac:spMk id="61" creationId="{533BF18B-C8A1-400D-BBBD-6103EC90FE1A}"/>
+          </ac:spMkLst>
+        </pc:spChg>
+        <pc:spChg chg="add">
+          <ac:chgData name="Paul Serna" userId="ebf308b099793f17" providerId="LiveId" clId="{8B39D111-DF5E-47AA-AE6B-FA8520D83B01}" dt="2022-12-07T03:41:23.742" v="563" actId="26606"/>
+          <ac:spMkLst>
+            <pc:docMk/>
+            <pc:sldMk cId="1757139118" sldId="295"/>
+            <ac:spMk id="63" creationId="{99413ED5-9ED4-4772-BCE4-2BCAE6B12E35}"/>
+          </ac:spMkLst>
+        </pc:spChg>
+        <pc:spChg chg="add">
+          <ac:chgData name="Paul Serna" userId="ebf308b099793f17" providerId="LiveId" clId="{8B39D111-DF5E-47AA-AE6B-FA8520D83B01}" dt="2022-12-07T03:41:23.742" v="563" actId="26606"/>
+          <ac:spMkLst>
+            <pc:docMk/>
+            <pc:sldMk cId="1757139118" sldId="295"/>
+            <ac:spMk id="65" creationId="{04357C93-F0CB-4A1C-8F77-4E9063789819}"/>
+          </ac:spMkLst>
+        </pc:spChg>
+        <pc:spChg chg="add">
+          <ac:chgData name="Paul Serna" userId="ebf308b099793f17" providerId="LiveId" clId="{8B39D111-DF5E-47AA-AE6B-FA8520D83B01}" dt="2022-12-07T03:41:23.742" v="563" actId="26606"/>
+          <ac:spMkLst>
+            <pc:docMk/>
+            <pc:sldMk cId="1757139118" sldId="295"/>
+            <ac:spMk id="67" creationId="{90F533E9-6690-41A8-A372-4C6C622D028D}"/>
+          </ac:spMkLst>
+        </pc:spChg>
+        <pc:picChg chg="mod ord">
+          <ac:chgData name="Paul Serna" userId="ebf308b099793f17" providerId="LiveId" clId="{8B39D111-DF5E-47AA-AE6B-FA8520D83B01}" dt="2022-12-07T03:41:23.742" v="563" actId="26606"/>
+          <ac:picMkLst>
+            <pc:docMk/>
+            <pc:sldMk cId="1757139118" sldId="295"/>
+            <ac:picMk id="4" creationId="{7D5428A4-A1A7-284E-7E74-C479CFD2BA71}"/>
+          </ac:picMkLst>
+        </pc:picChg>
+        <pc:picChg chg="mod">
+          <ac:chgData name="Paul Serna" userId="ebf308b099793f17" providerId="LiveId" clId="{8B39D111-DF5E-47AA-AE6B-FA8520D83B01}" dt="2022-12-07T03:41:23.742" v="563" actId="26606"/>
+          <ac:picMkLst>
+            <pc:docMk/>
+            <pc:sldMk cId="1757139118" sldId="295"/>
+            <ac:picMk id="5" creationId="{D7B0A4E9-5D34-1B2C-758E-05534C62C045}"/>
+          </ac:picMkLst>
+        </pc:picChg>
+        <pc:picChg chg="mod">
+          <ac:chgData name="Paul Serna" userId="ebf308b099793f17" providerId="LiveId" clId="{8B39D111-DF5E-47AA-AE6B-FA8520D83B01}" dt="2022-12-07T03:41:23.742" v="563" actId="26606"/>
+          <ac:picMkLst>
+            <pc:docMk/>
+            <pc:sldMk cId="1757139118" sldId="295"/>
+            <ac:picMk id="6" creationId="{5C418093-3EF1-4185-8C99-D25E2AAC3EEE}"/>
+          </ac:picMkLst>
+        </pc:picChg>
+      </pc:sldChg>
     </pc:docChg>
   </pc:docChgLst>
 </pc:chgInfo>
@@ -4467,6 +4858,1355 @@
 </p:sld>
 </file>
 
+<file path=ppt/slides/slide10.xml><?xml version="1.0" encoding="utf-8"?>
+<p:sld xmlns:a="http://schemas.openxmlformats.org/drawingml/2006/main" xmlns:r="http://schemas.openxmlformats.org/officeDocument/2006/relationships" xmlns:p="http://schemas.openxmlformats.org/presentationml/2006/main">
+  <p:cSld>
+    <p:bg>
+      <p:bgPr>
+        <a:solidFill>
+          <a:schemeClr val="bg1"/>
+        </a:solidFill>
+        <a:effectLst/>
+      </p:bgPr>
+    </p:bg>
+    <p:spTree>
+      <p:nvGrpSpPr>
+        <p:cNvPr id="1" name=""/>
+        <p:cNvGrpSpPr/>
+        <p:nvPr/>
+      </p:nvGrpSpPr>
+      <p:grpSpPr>
+        <a:xfrm>
+          <a:off x="0" y="0"/>
+          <a:ext cx="0" cy="0"/>
+          <a:chOff x="0" y="0"/>
+          <a:chExt cx="0" cy="0"/>
+        </a:xfrm>
+      </p:grpSpPr>
+      <p:sp>
+        <p:nvSpPr>
+          <p:cNvPr id="7" name="Title 6">
+            <a:extLst>
+              <a:ext uri="{FF2B5EF4-FFF2-40B4-BE49-F238E27FC236}">
+                <a16:creationId xmlns:a16="http://schemas.microsoft.com/office/drawing/2014/main" id="{7803E918-73CB-6F56-5DF4-AA84C270A813}"/>
+              </a:ext>
+            </a:extLst>
+          </p:cNvPr>
+          <p:cNvSpPr>
+            <a:spLocks noGrp="1"/>
+          </p:cNvSpPr>
+          <p:nvPr>
+            <p:ph type="title"/>
+          </p:nvPr>
+        </p:nvSpPr>
+        <p:spPr>
+          <a:xfrm>
+            <a:off x="481013" y="3752849"/>
+            <a:ext cx="3290887" cy="2452687"/>
+          </a:xfrm>
+        </p:spPr>
+        <p:txBody>
+          <a:bodyPr anchor="ctr">
+            <a:normAutofit/>
+          </a:bodyPr>
+          <a:lstStyle/>
+          <a:p>
+            <a:r>
+              <a:rPr lang="en-US" sz="3600" dirty="0"/>
+              <a:t>Visualizations</a:t>
+            </a:r>
+          </a:p>
+        </p:txBody>
+      </p:sp>
+      <p:pic>
+        <p:nvPicPr>
+          <p:cNvPr id="3" name="Picture 2" descr="Stroke | Ministry of Health">
+            <a:extLst>
+              <a:ext uri="{FF2B5EF4-FFF2-40B4-BE49-F238E27FC236}">
+                <a16:creationId xmlns:a16="http://schemas.microsoft.com/office/drawing/2014/main" id="{F72F0B21-084E-2971-41B9-0ABAF508D4C3}"/>
+              </a:ext>
+            </a:extLst>
+          </p:cNvPr>
+          <p:cNvPicPr>
+            <a:picLocks noChangeAspect="1" noChangeArrowheads="1"/>
+          </p:cNvPicPr>
+          <p:nvPr/>
+        </p:nvPicPr>
+        <p:blipFill rotWithShape="1">
+          <a:blip r:embed="rId2">
+            <a:extLst>
+              <a:ext uri="{28A0092B-C50C-407E-A947-70E740481C1C}">
+                <a14:useLocalDpi xmlns:a14="http://schemas.microsoft.com/office/drawing/2010/main" val="0"/>
+              </a:ext>
+            </a:extLst>
+          </a:blip>
+          <a:srcRect l="1429" r="1" b="1"/>
+          <a:stretch/>
+        </p:blipFill>
+        <p:spPr bwMode="auto">
+          <a:xfrm>
+            <a:off x="20" y="10"/>
+            <a:ext cx="12191980" cy="3710603"/>
+          </a:xfrm>
+          <a:custGeom>
+            <a:avLst/>
+            <a:gdLst/>
+            <a:ahLst/>
+            <a:cxnLst/>
+            <a:rect l="l" t="t" r="r" b="b"/>
+            <a:pathLst>
+              <a:path w="12192000" h="3692092">
+                <a:moveTo>
+                  <a:pt x="0" y="0"/>
+                </a:moveTo>
+                <a:lnTo>
+                  <a:pt x="12192000" y="0"/>
+                </a:lnTo>
+                <a:lnTo>
+                  <a:pt x="12192000" y="3504824"/>
+                </a:lnTo>
+                <a:lnTo>
+                  <a:pt x="12024691" y="3517794"/>
+                </a:lnTo>
+                <a:cubicBezTo>
+                  <a:pt x="8077523" y="3783195"/>
+                  <a:pt x="4094678" y="3026959"/>
+                  <a:pt x="160485" y="3663863"/>
+                </a:cubicBezTo>
+                <a:lnTo>
+                  <a:pt x="0" y="3692092"/>
+                </a:lnTo>
+                <a:close/>
+              </a:path>
+            </a:pathLst>
+          </a:custGeom>
+          <a:noFill/>
+          <a:extLst>
+            <a:ext uri="{909E8E84-426E-40DD-AFC4-6F175D3DCCD1}">
+              <a14:hiddenFill xmlns:a14="http://schemas.microsoft.com/office/drawing/2010/main">
+                <a:solidFill>
+                  <a:srgbClr val="FFFFFF"/>
+                </a:solidFill>
+              </a14:hiddenFill>
+            </a:ext>
+          </a:extLst>
+        </p:spPr>
+      </p:pic>
+      <p:pic>
+        <p:nvPicPr>
+          <p:cNvPr id="8" name="Content Placeholder 7" descr="Graphical user interface, application, email">
+            <a:extLst>
+              <a:ext uri="{FF2B5EF4-FFF2-40B4-BE49-F238E27FC236}">
+                <a16:creationId xmlns:a16="http://schemas.microsoft.com/office/drawing/2014/main" id="{F975B10D-427B-287E-C583-8DB462A4F027}"/>
+              </a:ext>
+            </a:extLst>
+          </p:cNvPr>
+          <p:cNvPicPr>
+            <a:picLocks noGrp="1" noChangeAspect="1"/>
+          </p:cNvPicPr>
+          <p:nvPr>
+            <p:ph idx="1"/>
+          </p:nvPr>
+        </p:nvPicPr>
+        <p:blipFill>
+          <a:blip r:embed="rId3"/>
+          <a:stretch>
+            <a:fillRect/>
+          </a:stretch>
+        </p:blipFill>
+        <p:spPr>
+          <a:xfrm>
+            <a:off x="4308593" y="2337846"/>
+            <a:ext cx="7402394" cy="3999371"/>
+          </a:xfrm>
+        </p:spPr>
+      </p:pic>
+    </p:spTree>
+    <p:extLst>
+      <p:ext uri="{BB962C8B-B14F-4D97-AF65-F5344CB8AC3E}">
+        <p14:creationId xmlns:p14="http://schemas.microsoft.com/office/powerpoint/2010/main" val="2637918752"/>
+      </p:ext>
+    </p:extLst>
+  </p:cSld>
+  <p:clrMapOvr>
+    <a:masterClrMapping/>
+  </p:clrMapOvr>
+</p:sld>
+</file>
+
+<file path=ppt/slides/slide11.xml><?xml version="1.0" encoding="utf-8"?>
+<p:sld xmlns:a="http://schemas.openxmlformats.org/drawingml/2006/main" xmlns:r="http://schemas.openxmlformats.org/officeDocument/2006/relationships" xmlns:p="http://schemas.openxmlformats.org/presentationml/2006/main">
+  <p:cSld>
+    <p:bg>
+      <p:bgPr>
+        <a:solidFill>
+          <a:schemeClr val="bg1"/>
+        </a:solidFill>
+        <a:effectLst/>
+      </p:bgPr>
+    </p:bg>
+    <p:spTree>
+      <p:nvGrpSpPr>
+        <p:cNvPr id="1" name=""/>
+        <p:cNvGrpSpPr/>
+        <p:nvPr/>
+      </p:nvGrpSpPr>
+      <p:grpSpPr>
+        <a:xfrm>
+          <a:off x="0" y="0"/>
+          <a:ext cx="0" cy="0"/>
+          <a:chOff x="0" y="0"/>
+          <a:chExt cx="0" cy="0"/>
+        </a:xfrm>
+      </p:grpSpPr>
+      <p:sp useBgFill="1">
+        <p:nvSpPr>
+          <p:cNvPr id="56" name="Rectangle 55">
+            <a:extLst>
+              <a:ext uri="{FF2B5EF4-FFF2-40B4-BE49-F238E27FC236}">
+                <a16:creationId xmlns:a16="http://schemas.microsoft.com/office/drawing/2014/main" id="{848F64AA-5BE2-4280-BEFA-DC288118FCCE}"/>
+              </a:ext>
+              <a:ext uri="{C183D7F6-B498-43B3-948B-1728B52AA6E4}">
+                <adec:decorative xmlns:adec="http://schemas.microsoft.com/office/drawing/2017/decorative" val="1"/>
+              </a:ext>
+            </a:extLst>
+          </p:cNvPr>
+          <p:cNvSpPr>
+            <a:spLocks noGrp="1" noRot="1" noChangeAspect="1" noMove="1" noResize="1" noEditPoints="1" noAdjustHandles="1" noChangeArrowheads="1" noChangeShapeType="1" noTextEdit="1"/>
+          </p:cNvSpPr>
+          <p:nvPr>
+            <p:extLst>
+              <p:ext uri="{386F3935-93C4-4BCD-93E2-E3B085C9AB24}">
+                <p16:designElem xmlns:p16="http://schemas.microsoft.com/office/powerpoint/2015/main" val="1"/>
+              </p:ext>
+            </p:extLst>
+          </p:nvPr>
+        </p:nvSpPr>
+        <p:spPr>
+          <a:xfrm>
+            <a:off x="0" y="0"/>
+            <a:ext cx="12188952" cy="6858000"/>
+          </a:xfrm>
+          <a:prstGeom prst="rect">
+            <a:avLst/>
+          </a:prstGeom>
+          <a:ln>
+            <a:noFill/>
+          </a:ln>
+        </p:spPr>
+        <p:style>
+          <a:lnRef idx="2">
+            <a:schemeClr val="accent1">
+              <a:shade val="50000"/>
+            </a:schemeClr>
+          </a:lnRef>
+          <a:fillRef idx="1">
+            <a:schemeClr val="accent1"/>
+          </a:fillRef>
+          <a:effectRef idx="0">
+            <a:schemeClr val="accent1"/>
+          </a:effectRef>
+          <a:fontRef idx="minor">
+            <a:schemeClr val="lt1"/>
+          </a:fontRef>
+        </p:style>
+        <p:txBody>
+          <a:bodyPr rtlCol="0" anchor="ctr"/>
+          <a:lstStyle/>
+          <a:p>
+            <a:pPr algn="ctr"/>
+            <a:endParaRPr lang="en-US"/>
+          </a:p>
+        </p:txBody>
+      </p:sp>
+      <p:pic>
+        <p:nvPicPr>
+          <p:cNvPr id="4" name="Picture 3" descr="Chart, scatter chart&#10;&#10;Description automatically generated">
+            <a:extLst>
+              <a:ext uri="{FF2B5EF4-FFF2-40B4-BE49-F238E27FC236}">
+                <a16:creationId xmlns:a16="http://schemas.microsoft.com/office/drawing/2014/main" id="{7D5428A4-A1A7-284E-7E74-C479CFD2BA71}"/>
+              </a:ext>
+            </a:extLst>
+          </p:cNvPr>
+          <p:cNvPicPr>
+            <a:picLocks noChangeAspect="1"/>
+          </p:cNvPicPr>
+          <p:nvPr/>
+        </p:nvPicPr>
+        <p:blipFill rotWithShape="1">
+          <a:blip r:embed="rId2"/>
+          <a:srcRect t="12861" r="2" b="12864"/>
+          <a:stretch/>
+        </p:blipFill>
+        <p:spPr>
+          <a:xfrm>
+            <a:off x="20" y="2"/>
+            <a:ext cx="7534620" cy="4197368"/>
+          </a:xfrm>
+          <a:custGeom>
+            <a:avLst/>
+            <a:gdLst/>
+            <a:ahLst/>
+            <a:cxnLst/>
+            <a:rect l="l" t="t" r="r" b="b"/>
+            <a:pathLst>
+              <a:path w="7534640" h="4197368">
+                <a:moveTo>
+                  <a:pt x="0" y="0"/>
+                </a:moveTo>
+                <a:lnTo>
+                  <a:pt x="7534640" y="0"/>
+                </a:lnTo>
+                <a:lnTo>
+                  <a:pt x="7534640" y="3832811"/>
+                </a:lnTo>
+                <a:lnTo>
+                  <a:pt x="7344853" y="3826712"/>
+                </a:lnTo>
+                <a:cubicBezTo>
+                  <a:pt x="7344853" y="3826712"/>
+                  <a:pt x="7341511" y="3826712"/>
+                  <a:pt x="7341511" y="3826712"/>
+                </a:cubicBezTo>
+                <a:cubicBezTo>
+                  <a:pt x="7274667" y="3823370"/>
+                  <a:pt x="7211169" y="3823370"/>
+                  <a:pt x="7144324" y="3820027"/>
+                </a:cubicBezTo>
+                <a:cubicBezTo>
+                  <a:pt x="6913719" y="3820027"/>
+                  <a:pt x="6683113" y="3820027"/>
+                  <a:pt x="6455848" y="3820027"/>
+                </a:cubicBezTo>
+                <a:cubicBezTo>
+                  <a:pt x="6231926" y="3910265"/>
+                  <a:pt x="5987951" y="3833396"/>
+                  <a:pt x="5767372" y="3903581"/>
+                </a:cubicBezTo>
+                <a:cubicBezTo>
+                  <a:pt x="5533423" y="3900239"/>
+                  <a:pt x="5312845" y="3970423"/>
+                  <a:pt x="5082238" y="4000503"/>
+                </a:cubicBezTo>
+                <a:cubicBezTo>
+                  <a:pt x="4908446" y="4013871"/>
+                  <a:pt x="4731314" y="3997160"/>
+                  <a:pt x="4570892" y="4067345"/>
+                </a:cubicBezTo>
+                <a:cubicBezTo>
+                  <a:pt x="4509063" y="4095753"/>
+                  <a:pt x="4453918" y="4128339"/>
+                  <a:pt x="4430941" y="4172622"/>
+                </a:cubicBezTo>
+                <a:lnTo>
+                  <a:pt x="4423415" y="4197368"/>
+                </a:lnTo>
+                <a:lnTo>
+                  <a:pt x="0" y="4197368"/>
+                </a:lnTo>
+                <a:close/>
+              </a:path>
+            </a:pathLst>
+          </a:custGeom>
+        </p:spPr>
+      </p:pic>
+      <p:pic>
+        <p:nvPicPr>
+          <p:cNvPr id="5" name="Picture 2" descr="World Stroke Day: Warning signs of stroke everyone should know | Health -  Hindustan Times">
+            <a:extLst>
+              <a:ext uri="{FF2B5EF4-FFF2-40B4-BE49-F238E27FC236}">
+                <a16:creationId xmlns:a16="http://schemas.microsoft.com/office/drawing/2014/main" id="{D7B0A4E9-5D34-1B2C-758E-05534C62C045}"/>
+              </a:ext>
+            </a:extLst>
+          </p:cNvPr>
+          <p:cNvPicPr>
+            <a:picLocks noChangeAspect="1" noChangeArrowheads="1"/>
+          </p:cNvPicPr>
+          <p:nvPr/>
+        </p:nvPicPr>
+        <p:blipFill rotWithShape="1">
+          <a:blip r:embed="rId3">
+            <a:extLst>
+              <a:ext uri="{28A0092B-C50C-407E-A947-70E740481C1C}">
+                <a14:useLocalDpi xmlns:a14="http://schemas.microsoft.com/office/drawing/2010/main" val="0"/>
+              </a:ext>
+            </a:extLst>
+          </a:blip>
+          <a:srcRect l="34158" r="-1" b="-1"/>
+          <a:stretch/>
+        </p:blipFill>
+        <p:spPr bwMode="auto">
+          <a:xfrm>
+            <a:off x="7653536" y="1"/>
+            <a:ext cx="4538463" cy="3877247"/>
+          </a:xfrm>
+          <a:custGeom>
+            <a:avLst/>
+            <a:gdLst/>
+            <a:ahLst/>
+            <a:cxnLst/>
+            <a:rect l="l" t="t" r="r" b="b"/>
+            <a:pathLst>
+              <a:path w="4538463" h="3877247">
+                <a:moveTo>
+                  <a:pt x="0" y="0"/>
+                </a:moveTo>
+                <a:lnTo>
+                  <a:pt x="4538463" y="0"/>
+                </a:lnTo>
+                <a:lnTo>
+                  <a:pt x="4538463" y="3437173"/>
+                </a:lnTo>
+                <a:lnTo>
+                  <a:pt x="4530710" y="3429000"/>
+                </a:lnTo>
+                <a:cubicBezTo>
+                  <a:pt x="4370289" y="3495842"/>
+                  <a:pt x="4239946" y="3686344"/>
+                  <a:pt x="4056129" y="3636211"/>
+                </a:cubicBezTo>
+                <a:cubicBezTo>
+                  <a:pt x="3872313" y="3589422"/>
+                  <a:pt x="3788760" y="3830055"/>
+                  <a:pt x="3618310" y="3756528"/>
+                </a:cubicBezTo>
+                <a:cubicBezTo>
+                  <a:pt x="3394389" y="3823371"/>
+                  <a:pt x="3163783" y="3823371"/>
+                  <a:pt x="2933176" y="3810002"/>
+                </a:cubicBezTo>
+                <a:cubicBezTo>
+                  <a:pt x="2702570" y="3840081"/>
+                  <a:pt x="2471962" y="3873503"/>
+                  <a:pt x="2238015" y="3850107"/>
+                </a:cubicBezTo>
+                <a:cubicBezTo>
+                  <a:pt x="2007408" y="3870161"/>
+                  <a:pt x="1783486" y="3883529"/>
+                  <a:pt x="1552880" y="3863476"/>
+                </a:cubicBezTo>
+                <a:cubicBezTo>
+                  <a:pt x="1322274" y="3886870"/>
+                  <a:pt x="1091667" y="3876844"/>
+                  <a:pt x="864402" y="3860134"/>
+                </a:cubicBezTo>
+                <a:cubicBezTo>
+                  <a:pt x="757455" y="3860134"/>
+                  <a:pt x="653849" y="3856792"/>
+                  <a:pt x="546902" y="3856792"/>
+                </a:cubicBezTo>
+                <a:cubicBezTo>
+                  <a:pt x="404861" y="3850108"/>
+                  <a:pt x="262821" y="3845095"/>
+                  <a:pt x="120363" y="3840499"/>
+                </a:cubicBezTo>
+                <a:lnTo>
+                  <a:pt x="0" y="3836632"/>
+                </a:lnTo>
+                <a:close/>
+              </a:path>
+            </a:pathLst>
+          </a:custGeom>
+          <a:noFill/>
+          <a:extLst>
+            <a:ext uri="{909E8E84-426E-40DD-AFC4-6F175D3DCCD1}">
+              <a14:hiddenFill xmlns:a14="http://schemas.microsoft.com/office/drawing/2010/main">
+                <a:solidFill>
+                  <a:srgbClr val="FFFFFF"/>
+                </a:solidFill>
+              </a14:hiddenFill>
+            </a:ext>
+          </a:extLst>
+        </p:spPr>
+      </p:pic>
+      <p:pic>
+        <p:nvPicPr>
+          <p:cNvPr id="6" name="Picture 5" descr="Graphical user interface, text, application&#10;&#10;Description automatically generated">
+            <a:extLst>
+              <a:ext uri="{FF2B5EF4-FFF2-40B4-BE49-F238E27FC236}">
+                <a16:creationId xmlns:a16="http://schemas.microsoft.com/office/drawing/2014/main" id="{5C418093-3EF1-4185-8C99-D25E2AAC3EEE}"/>
+              </a:ext>
+            </a:extLst>
+          </p:cNvPr>
+          <p:cNvPicPr>
+            <a:picLocks noChangeAspect="1"/>
+          </p:cNvPicPr>
+          <p:nvPr/>
+        </p:nvPicPr>
+        <p:blipFill rotWithShape="1">
+          <a:blip r:embed="rId4"/>
+          <a:srcRect r="40823" b="-1"/>
+          <a:stretch/>
+        </p:blipFill>
+        <p:spPr>
+          <a:xfrm>
+            <a:off x="1" y="3267857"/>
+            <a:ext cx="6836850" cy="3590136"/>
+          </a:xfrm>
+          <a:custGeom>
+            <a:avLst/>
+            <a:gdLst/>
+            <a:ahLst/>
+            <a:cxnLst/>
+            <a:rect l="l" t="t" r="r" b="b"/>
+            <a:pathLst>
+              <a:path w="6836850" h="2541737">
+                <a:moveTo>
+                  <a:pt x="0" y="0"/>
+                </a:moveTo>
+                <a:lnTo>
+                  <a:pt x="4460098" y="0"/>
+                </a:lnTo>
+                <a:lnTo>
+                  <a:pt x="4483996" y="31836"/>
+                </a:lnTo>
+                <a:cubicBezTo>
+                  <a:pt x="4644419" y="28495"/>
+                  <a:pt x="4627708" y="282495"/>
+                  <a:pt x="4788129" y="245732"/>
+                </a:cubicBezTo>
+                <a:cubicBezTo>
+                  <a:pt x="4754709" y="362707"/>
+                  <a:pt x="4641076" y="302548"/>
+                  <a:pt x="4600971" y="389443"/>
+                </a:cubicBezTo>
+                <a:cubicBezTo>
+                  <a:pt x="4684524" y="462970"/>
+                  <a:pt x="4844945" y="409497"/>
+                  <a:pt x="4871683" y="563233"/>
+                </a:cubicBezTo>
+                <a:cubicBezTo>
+                  <a:pt x="4838262" y="723655"/>
+                  <a:pt x="4945210" y="703602"/>
+                  <a:pt x="5032105" y="713629"/>
+                </a:cubicBezTo>
+                <a:cubicBezTo>
+                  <a:pt x="5239317" y="733683"/>
+                  <a:pt x="5439843" y="747050"/>
+                  <a:pt x="5643713" y="780472"/>
+                </a:cubicBezTo>
+                <a:cubicBezTo>
+                  <a:pt x="5693844" y="790498"/>
+                  <a:pt x="5810819" y="767103"/>
+                  <a:pt x="5800794" y="870709"/>
+                </a:cubicBezTo>
+                <a:cubicBezTo>
+                  <a:pt x="5790767" y="954261"/>
+                  <a:pt x="5700529" y="924184"/>
+                  <a:pt x="5643713" y="927525"/>
+                </a:cubicBezTo>
+                <a:cubicBezTo>
+                  <a:pt x="5329553" y="967632"/>
+                  <a:pt x="5012052" y="904131"/>
+                  <a:pt x="4701235" y="907472"/>
+                </a:cubicBezTo>
+                <a:cubicBezTo>
+                  <a:pt x="4664472" y="907472"/>
+                  <a:pt x="4657787" y="1017762"/>
+                  <a:pt x="4577576" y="980999"/>
+                </a:cubicBezTo>
+                <a:cubicBezTo>
+                  <a:pt x="4788129" y="1081263"/>
+                  <a:pt x="5767372" y="1108001"/>
+                  <a:pt x="6094900" y="1161474"/>
+                </a:cubicBezTo>
+                <a:cubicBezTo>
+                  <a:pt x="5754004" y="1542477"/>
+                  <a:pt x="5429817" y="1311870"/>
+                  <a:pt x="5159105" y="1525765"/>
+                </a:cubicBezTo>
+                <a:cubicBezTo>
+                  <a:pt x="5159105" y="1525765"/>
+                  <a:pt x="5212580" y="1525765"/>
+                  <a:pt x="5443187" y="1595950"/>
+                </a:cubicBezTo>
+                <a:cubicBezTo>
+                  <a:pt x="5627002" y="1652765"/>
+                  <a:pt x="5536765" y="1732976"/>
+                  <a:pt x="6001321" y="1886715"/>
+                </a:cubicBezTo>
+                <a:cubicBezTo>
+                  <a:pt x="5824188" y="1936846"/>
+                  <a:pt x="5593581" y="1839925"/>
+                  <a:pt x="5506685" y="2100610"/>
+                </a:cubicBezTo>
+                <a:cubicBezTo>
+                  <a:pt x="5643713" y="2147401"/>
+                  <a:pt x="5807477" y="2103953"/>
+                  <a:pt x="5904398" y="2227611"/>
+                </a:cubicBezTo>
+                <a:cubicBezTo>
+                  <a:pt x="5934478" y="2264375"/>
+                  <a:pt x="5964557" y="2287770"/>
+                  <a:pt x="6001321" y="2307821"/>
+                </a:cubicBezTo>
+                <a:cubicBezTo>
+                  <a:pt x="5984612" y="2314507"/>
+                  <a:pt x="5964557" y="2321190"/>
+                  <a:pt x="5951188" y="2327874"/>
+                </a:cubicBezTo>
+                <a:cubicBezTo>
+                  <a:pt x="5977925" y="2351271"/>
+                  <a:pt x="6663060" y="2478270"/>
+                  <a:pt x="6836850" y="2481613"/>
+                </a:cubicBezTo>
+                <a:cubicBezTo>
+                  <a:pt x="6761652" y="2506679"/>
+                  <a:pt x="6636845" y="2527828"/>
+                  <a:pt x="6553814" y="2540165"/>
+                </a:cubicBezTo>
+                <a:lnTo>
+                  <a:pt x="6542822" y="2541737"/>
+                </a:lnTo>
+                <a:lnTo>
+                  <a:pt x="0" y="2541737"/>
+                </a:lnTo>
+                <a:close/>
+              </a:path>
+            </a:pathLst>
+          </a:custGeom>
+        </p:spPr>
+      </p:pic>
+      <p:sp>
+        <p:nvSpPr>
+          <p:cNvPr id="3" name="Title 2">
+            <a:extLst>
+              <a:ext uri="{FF2B5EF4-FFF2-40B4-BE49-F238E27FC236}">
+                <a16:creationId xmlns:a16="http://schemas.microsoft.com/office/drawing/2014/main" id="{A0AD3EDA-B322-6232-00CA-8F2A04186F4C}"/>
+              </a:ext>
+            </a:extLst>
+          </p:cNvPr>
+          <p:cNvSpPr>
+            <a:spLocks noGrp="1"/>
+          </p:cNvSpPr>
+          <p:nvPr>
+            <p:ph type="title"/>
+          </p:nvPr>
+        </p:nvSpPr>
+        <p:spPr>
+          <a:xfrm>
+            <a:off x="377564" y="2300338"/>
+            <a:ext cx="5505814" cy="1576910"/>
+          </a:xfrm>
+        </p:spPr>
+        <p:txBody>
+          <a:bodyPr vert="horz" lIns="91440" tIns="45720" rIns="91440" bIns="45720" rtlCol="0" anchor="b">
+            <a:normAutofit/>
+          </a:bodyPr>
+          <a:lstStyle/>
+          <a:p>
+            <a:r>
+              <a:rPr lang="en-US" sz="3400" b="1" i="0" kern="1200">
+                <a:solidFill>
+                  <a:schemeClr val="tx1"/>
+                </a:solidFill>
+                <a:effectLst/>
+                <a:latin typeface="+mj-lt"/>
+                <a:ea typeface="+mj-ea"/>
+                <a:cs typeface="+mj-cs"/>
+              </a:rPr>
+              <a:t>Results: </a:t>
+            </a:r>
+            <a:br>
+              <a:rPr lang="en-US" sz="3400" b="0" i="0" kern="1200">
+                <a:solidFill>
+                  <a:schemeClr val="tx1"/>
+                </a:solidFill>
+                <a:effectLst/>
+                <a:latin typeface="+mj-lt"/>
+                <a:ea typeface="+mj-ea"/>
+                <a:cs typeface="+mj-cs"/>
+              </a:rPr>
+            </a:br>
+            <a:br>
+              <a:rPr lang="en-US" sz="3400" b="0" i="0" kern="1200">
+                <a:solidFill>
+                  <a:schemeClr val="tx1"/>
+                </a:solidFill>
+                <a:effectLst/>
+                <a:latin typeface="+mj-lt"/>
+                <a:ea typeface="+mj-ea"/>
+                <a:cs typeface="+mj-cs"/>
+              </a:rPr>
+            </a:br>
+            <a:endParaRPr lang="en-US" sz="3400" kern="1200">
+              <a:solidFill>
+                <a:schemeClr val="tx1"/>
+              </a:solidFill>
+              <a:latin typeface="+mj-lt"/>
+              <a:ea typeface="+mj-ea"/>
+              <a:cs typeface="+mj-cs"/>
+            </a:endParaRPr>
+          </a:p>
+        </p:txBody>
+      </p:sp>
+    </p:spTree>
+    <p:extLst>
+      <p:ext uri="{BB962C8B-B14F-4D97-AF65-F5344CB8AC3E}">
+        <p14:creationId xmlns:p14="http://schemas.microsoft.com/office/powerpoint/2010/main" val="1433634384"/>
+      </p:ext>
+    </p:extLst>
+  </p:cSld>
+  <p:clrMapOvr>
+    <a:masterClrMapping/>
+  </p:clrMapOvr>
+  <p:timing>
+    <p:tnLst>
+      <p:par>
+        <p:cTn id="1" dur="indefinite" restart="never" nodeType="tmRoot">
+          <p:childTnLst>
+            <p:seq concurrent="1" nextAc="seek">
+              <p:cTn id="2" dur="indefinite" nodeType="mainSeq">
+                <p:childTnLst>
+                  <p:par>
+                    <p:cTn id="3" fill="hold">
+                      <p:stCondLst>
+                        <p:cond delay="indefinite"/>
+                        <p:cond evt="onBegin" delay="0">
+                          <p:tn val="2"/>
+                        </p:cond>
+                      </p:stCondLst>
+                      <p:childTnLst>
+                        <p:par>
+                          <p:cTn id="4" fill="hold">
+                            <p:stCondLst>
+                              <p:cond delay="0"/>
+                            </p:stCondLst>
+                            <p:childTnLst>
+                              <p:par>
+                                <p:cTn id="5" presetID="10" presetClass="entr" presetSubtype="0" fill="hold" grpId="0" nodeType="withEffect">
+                                  <p:stCondLst>
+                                    <p:cond delay="1000"/>
+                                  </p:stCondLst>
+                                  <p:iterate>
+                                    <p:tmPct val="10000"/>
+                                  </p:iterate>
+                                  <p:childTnLst>
+                                    <p:set>
+                                      <p:cBhvr>
+                                        <p:cTn id="6" dur="1" fill="hold">
+                                          <p:stCondLst>
+                                            <p:cond delay="0"/>
+                                          </p:stCondLst>
+                                        </p:cTn>
+                                        <p:tgtEl>
+                                          <p:spTgt spid="3"/>
+                                        </p:tgtEl>
+                                        <p:attrNameLst>
+                                          <p:attrName>style.visibility</p:attrName>
+                                        </p:attrNameLst>
+                                      </p:cBhvr>
+                                      <p:to>
+                                        <p:strVal val="visible"/>
+                                      </p:to>
+                                    </p:set>
+                                    <p:animEffect transition="in" filter="fade">
+                                      <p:cBhvr>
+                                        <p:cTn id="7" dur="700"/>
+                                        <p:tgtEl>
+                                          <p:spTgt spid="3"/>
+                                        </p:tgtEl>
+                                      </p:cBhvr>
+                                    </p:animEffect>
+                                  </p:childTnLst>
+                                </p:cTn>
+                              </p:par>
+                            </p:childTnLst>
+                          </p:cTn>
+                        </p:par>
+                      </p:childTnLst>
+                    </p:cTn>
+                  </p:par>
+                </p:childTnLst>
+              </p:cTn>
+              <p:prevCondLst>
+                <p:cond evt="onPrev" delay="0">
+                  <p:tgtEl>
+                    <p:sldTgt/>
+                  </p:tgtEl>
+                </p:cond>
+              </p:prevCondLst>
+              <p:nextCondLst>
+                <p:cond evt="onNext" delay="0">
+                  <p:tgtEl>
+                    <p:sldTgt/>
+                  </p:tgtEl>
+                </p:cond>
+              </p:nextCondLst>
+            </p:seq>
+          </p:childTnLst>
+        </p:cTn>
+      </p:par>
+    </p:tnLst>
+    <p:bldLst>
+      <p:bldP spid="3" grpId="0"/>
+    </p:bldLst>
+  </p:timing>
+</p:sld>
+</file>
+
+<file path=ppt/slides/slide12.xml><?xml version="1.0" encoding="utf-8"?>
+<p:sld xmlns:a="http://schemas.openxmlformats.org/drawingml/2006/main" xmlns:r="http://schemas.openxmlformats.org/officeDocument/2006/relationships" xmlns:p="http://schemas.openxmlformats.org/presentationml/2006/main">
+  <p:cSld>
+    <p:bg>
+      <p:bgPr>
+        <a:solidFill>
+          <a:schemeClr val="bg1"/>
+        </a:solidFill>
+        <a:effectLst/>
+      </p:bgPr>
+    </p:bg>
+    <p:spTree>
+      <p:nvGrpSpPr>
+        <p:cNvPr id="1" name=""/>
+        <p:cNvGrpSpPr/>
+        <p:nvPr/>
+      </p:nvGrpSpPr>
+      <p:grpSpPr>
+        <a:xfrm>
+          <a:off x="0" y="0"/>
+          <a:ext cx="0" cy="0"/>
+          <a:chOff x="0" y="0"/>
+          <a:chExt cx="0" cy="0"/>
+        </a:xfrm>
+      </p:grpSpPr>
+      <p:sp useBgFill="1">
+        <p:nvSpPr>
+          <p:cNvPr id="61" name="Rectangle 60">
+            <a:extLst>
+              <a:ext uri="{FF2B5EF4-FFF2-40B4-BE49-F238E27FC236}">
+                <a16:creationId xmlns:a16="http://schemas.microsoft.com/office/drawing/2014/main" id="{533BF18B-C8A1-400D-BBBD-6103EC90FE1A}"/>
+              </a:ext>
+              <a:ext uri="{C183D7F6-B498-43B3-948B-1728B52AA6E4}">
+                <adec:decorative xmlns:adec="http://schemas.microsoft.com/office/drawing/2017/decorative" val="1"/>
+              </a:ext>
+            </a:extLst>
+          </p:cNvPr>
+          <p:cNvSpPr>
+            <a:spLocks noGrp="1" noRot="1" noChangeAspect="1" noMove="1" noResize="1" noEditPoints="1" noAdjustHandles="1" noChangeArrowheads="1" noChangeShapeType="1" noTextEdit="1"/>
+          </p:cNvSpPr>
+          <p:nvPr>
+            <p:extLst>
+              <p:ext uri="{386F3935-93C4-4BCD-93E2-E3B085C9AB24}">
+                <p16:designElem xmlns:p16="http://schemas.microsoft.com/office/powerpoint/2015/main" val="1"/>
+              </p:ext>
+            </p:extLst>
+          </p:nvPr>
+        </p:nvSpPr>
+        <p:spPr>
+          <a:xfrm>
+            <a:off x="0" y="0"/>
+            <a:ext cx="12191999" cy="6857365"/>
+          </a:xfrm>
+          <a:prstGeom prst="rect">
+            <a:avLst/>
+          </a:prstGeom>
+          <a:ln>
+            <a:noFill/>
+          </a:ln>
+        </p:spPr>
+        <p:style>
+          <a:lnRef idx="2">
+            <a:schemeClr val="accent1">
+              <a:shade val="50000"/>
+            </a:schemeClr>
+          </a:lnRef>
+          <a:fillRef idx="1">
+            <a:schemeClr val="accent1"/>
+          </a:fillRef>
+          <a:effectRef idx="0">
+            <a:schemeClr val="accent1"/>
+          </a:effectRef>
+          <a:fontRef idx="minor">
+            <a:schemeClr val="lt1"/>
+          </a:fontRef>
+        </p:style>
+        <p:txBody>
+          <a:bodyPr rtlCol="0" anchor="ctr"/>
+          <a:lstStyle/>
+          <a:p>
+            <a:pPr algn="ctr"/>
+            <a:endParaRPr lang="en-US"/>
+          </a:p>
+        </p:txBody>
+      </p:sp>
+      <p:sp>
+        <p:nvSpPr>
+          <p:cNvPr id="3" name="Title 2">
+            <a:extLst>
+              <a:ext uri="{FF2B5EF4-FFF2-40B4-BE49-F238E27FC236}">
+                <a16:creationId xmlns:a16="http://schemas.microsoft.com/office/drawing/2014/main" id="{A0AD3EDA-B322-6232-00CA-8F2A04186F4C}"/>
+              </a:ext>
+            </a:extLst>
+          </p:cNvPr>
+          <p:cNvSpPr>
+            <a:spLocks noGrp="1"/>
+          </p:cNvSpPr>
+          <p:nvPr>
+            <p:ph type="title"/>
+          </p:nvPr>
+        </p:nvSpPr>
+        <p:spPr>
+          <a:xfrm>
+            <a:off x="9267909" y="2023110"/>
+            <a:ext cx="2469624" cy="2846070"/>
+          </a:xfrm>
+        </p:spPr>
+        <p:txBody>
+          <a:bodyPr vert="horz" lIns="91440" tIns="45720" rIns="91440" bIns="45720" rtlCol="0" anchor="ctr">
+            <a:normAutofit/>
+          </a:bodyPr>
+          <a:lstStyle/>
+          <a:p>
+            <a:r>
+              <a:rPr lang="en-US" sz="3700" b="1" i="0" kern="1200">
+                <a:solidFill>
+                  <a:schemeClr val="tx1"/>
+                </a:solidFill>
+                <a:effectLst/>
+                <a:latin typeface="+mj-lt"/>
+                <a:ea typeface="+mj-ea"/>
+                <a:cs typeface="+mj-cs"/>
+              </a:rPr>
+              <a:t>APP Review: </a:t>
+            </a:r>
+            <a:br>
+              <a:rPr lang="en-US" sz="3700" b="0" i="0" kern="1200">
+                <a:solidFill>
+                  <a:schemeClr val="tx1"/>
+                </a:solidFill>
+                <a:effectLst/>
+                <a:latin typeface="+mj-lt"/>
+                <a:ea typeface="+mj-ea"/>
+                <a:cs typeface="+mj-cs"/>
+              </a:rPr>
+            </a:br>
+            <a:br>
+              <a:rPr lang="en-US" sz="3700" b="0" i="0" kern="1200">
+                <a:solidFill>
+                  <a:schemeClr val="tx1"/>
+                </a:solidFill>
+                <a:effectLst/>
+                <a:latin typeface="+mj-lt"/>
+                <a:ea typeface="+mj-ea"/>
+                <a:cs typeface="+mj-cs"/>
+              </a:rPr>
+            </a:br>
+            <a:endParaRPr lang="en-US" sz="3700" kern="1200">
+              <a:solidFill>
+                <a:schemeClr val="tx1"/>
+              </a:solidFill>
+              <a:latin typeface="+mj-lt"/>
+              <a:ea typeface="+mj-ea"/>
+              <a:cs typeface="+mj-cs"/>
+            </a:endParaRPr>
+          </a:p>
+        </p:txBody>
+      </p:sp>
+      <p:sp>
+        <p:nvSpPr>
+          <p:cNvPr id="63" name="Rectangle 62">
+            <a:extLst>
+              <a:ext uri="{FF2B5EF4-FFF2-40B4-BE49-F238E27FC236}">
+                <a16:creationId xmlns:a16="http://schemas.microsoft.com/office/drawing/2014/main" id="{99413ED5-9ED4-4772-BCE4-2BCAE6B12E35}"/>
+              </a:ext>
+              <a:ext uri="{C183D7F6-B498-43B3-948B-1728B52AA6E4}">
+                <adec:decorative xmlns:adec="http://schemas.microsoft.com/office/drawing/2017/decorative" val="1"/>
+              </a:ext>
+            </a:extLst>
+          </p:cNvPr>
+          <p:cNvSpPr>
+            <a:spLocks noGrp="1" noRot="1" noChangeAspect="1" noMove="1" noResize="1" noEditPoints="1" noAdjustHandles="1" noChangeArrowheads="1" noChangeShapeType="1" noTextEdit="1"/>
+          </p:cNvSpPr>
+          <p:nvPr>
+            <p:extLst>
+              <p:ext uri="{386F3935-93C4-4BCD-93E2-E3B085C9AB24}">
+                <p16:designElem xmlns:p16="http://schemas.microsoft.com/office/powerpoint/2015/main" val="1"/>
+              </p:ext>
+            </p:extLst>
+          </p:nvPr>
+        </p:nvSpPr>
+        <p:spPr>
+          <a:xfrm rot="16200000">
+            <a:off x="3433973" y="-827233"/>
+            <a:ext cx="1715478" cy="8583421"/>
+          </a:xfrm>
+          <a:prstGeom prst="rect">
+            <a:avLst/>
+          </a:prstGeom>
+          <a:solidFill>
+            <a:schemeClr val="accent4"/>
+          </a:solidFill>
+          <a:ln>
+            <a:noFill/>
+          </a:ln>
+        </p:spPr>
+        <p:style>
+          <a:lnRef idx="2">
+            <a:schemeClr val="accent1">
+              <a:shade val="50000"/>
+            </a:schemeClr>
+          </a:lnRef>
+          <a:fillRef idx="1">
+            <a:schemeClr val="accent1"/>
+          </a:fillRef>
+          <a:effectRef idx="0">
+            <a:schemeClr val="accent1"/>
+          </a:effectRef>
+          <a:fontRef idx="minor">
+            <a:schemeClr val="lt1"/>
+          </a:fontRef>
+        </p:style>
+        <p:txBody>
+          <a:bodyPr rtlCol="0" anchor="ctr"/>
+          <a:lstStyle/>
+          <a:p>
+            <a:pPr algn="ctr"/>
+            <a:endParaRPr lang="en-US" dirty="0"/>
+          </a:p>
+        </p:txBody>
+      </p:sp>
+      <p:sp>
+        <p:nvSpPr>
+          <p:cNvPr id="65" name="Rectangle 64">
+            <a:extLst>
+              <a:ext uri="{FF2B5EF4-FFF2-40B4-BE49-F238E27FC236}">
+                <a16:creationId xmlns:a16="http://schemas.microsoft.com/office/drawing/2014/main" id="{04357C93-F0CB-4A1C-8F77-4E9063789819}"/>
+              </a:ext>
+              <a:ext uri="{C183D7F6-B498-43B3-948B-1728B52AA6E4}">
+                <adec:decorative xmlns:adec="http://schemas.microsoft.com/office/drawing/2017/decorative" val="1"/>
+              </a:ext>
+            </a:extLst>
+          </p:cNvPr>
+          <p:cNvSpPr>
+            <a:spLocks noGrp="1" noRot="1" noChangeAspect="1" noMove="1" noResize="1" noEditPoints="1" noAdjustHandles="1" noChangeArrowheads="1" noChangeShapeType="1" noTextEdit="1"/>
+          </p:cNvSpPr>
+          <p:nvPr>
+            <p:extLst>
+              <p:ext uri="{386F3935-93C4-4BCD-93E2-E3B085C9AB24}">
+                <p16:designElem xmlns:p16="http://schemas.microsoft.com/office/powerpoint/2015/main" val="1"/>
+              </p:ext>
+            </p:extLst>
+          </p:nvPr>
+        </p:nvSpPr>
+        <p:spPr>
+          <a:xfrm>
+            <a:off x="302085" y="664308"/>
+            <a:ext cx="8082632" cy="5600340"/>
+          </a:xfrm>
+          <a:prstGeom prst="rect">
+            <a:avLst/>
+          </a:prstGeom>
+          <a:solidFill>
+            <a:schemeClr val="bg1"/>
+          </a:solidFill>
+          <a:ln>
+            <a:noFill/>
+          </a:ln>
+          <a:effectLst>
+            <a:outerShdw blurRad="139700" dist="127000" dir="5400000" algn="t" rotWithShape="0">
+              <a:prstClr val="black">
+                <a:alpha val="15000"/>
+              </a:prstClr>
+            </a:outerShdw>
+          </a:effectLst>
+        </p:spPr>
+        <p:style>
+          <a:lnRef idx="2">
+            <a:schemeClr val="accent1">
+              <a:shade val="50000"/>
+            </a:schemeClr>
+          </a:lnRef>
+          <a:fillRef idx="1">
+            <a:schemeClr val="accent1"/>
+          </a:fillRef>
+          <a:effectRef idx="0">
+            <a:schemeClr val="accent1"/>
+          </a:effectRef>
+          <a:fontRef idx="minor">
+            <a:schemeClr val="lt1"/>
+          </a:fontRef>
+        </p:style>
+        <p:txBody>
+          <a:bodyPr rtlCol="0" anchor="ctr"/>
+          <a:lstStyle/>
+          <a:p>
+            <a:pPr algn="ctr"/>
+            <a:endParaRPr lang="en-US"/>
+          </a:p>
+        </p:txBody>
+      </p:sp>
+      <p:pic>
+        <p:nvPicPr>
+          <p:cNvPr id="5" name="Picture 2" descr="World Stroke Day: Warning signs of stroke everyone should know | Health -  Hindustan Times">
+            <a:extLst>
+              <a:ext uri="{FF2B5EF4-FFF2-40B4-BE49-F238E27FC236}">
+                <a16:creationId xmlns:a16="http://schemas.microsoft.com/office/drawing/2014/main" id="{D7B0A4E9-5D34-1B2C-758E-05534C62C045}"/>
+              </a:ext>
+            </a:extLst>
+          </p:cNvPr>
+          <p:cNvPicPr>
+            <a:picLocks noChangeAspect="1" noChangeArrowheads="1"/>
+          </p:cNvPicPr>
+          <p:nvPr/>
+        </p:nvPicPr>
+        <p:blipFill rotWithShape="1">
+          <a:blip r:embed="rId2">
+            <a:extLst>
+              <a:ext uri="{28A0092B-C50C-407E-A947-70E740481C1C}">
+                <a14:useLocalDpi xmlns:a14="http://schemas.microsoft.com/office/drawing/2010/main" val="0"/>
+              </a:ext>
+            </a:extLst>
+          </a:blip>
+          <a:srcRect l="47009" r="12851"/>
+          <a:stretch/>
+        </p:blipFill>
+        <p:spPr bwMode="auto">
+          <a:xfrm>
+            <a:off x="545231" y="858525"/>
+            <a:ext cx="3719192" cy="5211906"/>
+          </a:xfrm>
+          <a:prstGeom prst="rect">
+            <a:avLst/>
+          </a:prstGeom>
+          <a:noFill/>
+          <a:extLst>
+            <a:ext uri="{909E8E84-426E-40DD-AFC4-6F175D3DCCD1}">
+              <a14:hiddenFill xmlns:a14="http://schemas.microsoft.com/office/drawing/2010/main">
+                <a:solidFill>
+                  <a:srgbClr val="FFFFFF"/>
+                </a:solidFill>
+              </a14:hiddenFill>
+            </a:ext>
+          </a:extLst>
+        </p:spPr>
+      </p:pic>
+      <p:pic>
+        <p:nvPicPr>
+          <p:cNvPr id="6" name="Picture 5" descr="Graphical user interface, text, application&#10;&#10;Description automatically generated">
+            <a:extLst>
+              <a:ext uri="{FF2B5EF4-FFF2-40B4-BE49-F238E27FC236}">
+                <a16:creationId xmlns:a16="http://schemas.microsoft.com/office/drawing/2014/main" id="{5C418093-3EF1-4185-8C99-D25E2AAC3EEE}"/>
+              </a:ext>
+            </a:extLst>
+          </p:cNvPr>
+          <p:cNvPicPr>
+            <a:picLocks noChangeAspect="1"/>
+          </p:cNvPicPr>
+          <p:nvPr/>
+        </p:nvPicPr>
+        <p:blipFill rotWithShape="1">
+          <a:blip r:embed="rId3"/>
+          <a:srcRect l="4893" r="62749"/>
+          <a:stretch/>
+        </p:blipFill>
+        <p:spPr>
+          <a:xfrm>
+            <a:off x="4457706" y="858524"/>
+            <a:ext cx="3685032" cy="2505456"/>
+          </a:xfrm>
+          <a:prstGeom prst="rect">
+            <a:avLst/>
+          </a:prstGeom>
+        </p:spPr>
+      </p:pic>
+      <p:pic>
+        <p:nvPicPr>
+          <p:cNvPr id="4" name="Picture 3" descr="Chart, scatter chart&#10;&#10;Description automatically generated">
+            <a:extLst>
+              <a:ext uri="{FF2B5EF4-FFF2-40B4-BE49-F238E27FC236}">
+                <a16:creationId xmlns:a16="http://schemas.microsoft.com/office/drawing/2014/main" id="{7D5428A4-A1A7-284E-7E74-C479CFD2BA71}"/>
+              </a:ext>
+            </a:extLst>
+          </p:cNvPr>
+          <p:cNvPicPr>
+            <a:picLocks noChangeAspect="1"/>
+          </p:cNvPicPr>
+          <p:nvPr/>
+        </p:nvPicPr>
+        <p:blipFill rotWithShape="1">
+          <a:blip r:embed="rId4"/>
+          <a:srcRect t="844" r="5" b="8506"/>
+          <a:stretch/>
+        </p:blipFill>
+        <p:spPr>
+          <a:xfrm>
+            <a:off x="4457712" y="3564974"/>
+            <a:ext cx="3685031" cy="2505456"/>
+          </a:xfrm>
+          <a:prstGeom prst="rect">
+            <a:avLst/>
+          </a:prstGeom>
+        </p:spPr>
+      </p:pic>
+      <p:sp>
+        <p:nvSpPr>
+          <p:cNvPr id="67" name="Rectangle 66">
+            <a:extLst>
+              <a:ext uri="{FF2B5EF4-FFF2-40B4-BE49-F238E27FC236}">
+                <a16:creationId xmlns:a16="http://schemas.microsoft.com/office/drawing/2014/main" id="{90F533E9-6690-41A8-A372-4C6C622D028D}"/>
+              </a:ext>
+              <a:ext uri="{C183D7F6-B498-43B3-948B-1728B52AA6E4}">
+                <adec:decorative xmlns:adec="http://schemas.microsoft.com/office/drawing/2017/decorative" val="1"/>
+              </a:ext>
+            </a:extLst>
+          </p:cNvPr>
+          <p:cNvSpPr>
+            <a:spLocks noGrp="1" noRot="1" noChangeAspect="1" noMove="1" noResize="1" noEditPoints="1" noAdjustHandles="1" noChangeArrowheads="1" noChangeShapeType="1" noTextEdit="1"/>
+          </p:cNvSpPr>
+          <p:nvPr>
+            <p:extLst>
+              <p:ext uri="{386F3935-93C4-4BCD-93E2-E3B085C9AB24}">
+                <p16:designElem xmlns:p16="http://schemas.microsoft.com/office/powerpoint/2015/main" val="1"/>
+              </p:ext>
+            </p:extLst>
+          </p:nvPr>
+        </p:nvSpPr>
+        <p:spPr>
+          <a:xfrm rot="5400000">
+            <a:off x="7950447" y="3392097"/>
+            <a:ext cx="1719072" cy="152382"/>
+          </a:xfrm>
+          <a:prstGeom prst="rect">
+            <a:avLst/>
+          </a:prstGeom>
+          <a:solidFill>
+            <a:schemeClr val="accent4"/>
+          </a:solidFill>
+          <a:ln>
+            <a:noFill/>
+          </a:ln>
+        </p:spPr>
+        <p:style>
+          <a:lnRef idx="2">
+            <a:schemeClr val="accent1">
+              <a:shade val="50000"/>
+            </a:schemeClr>
+          </a:lnRef>
+          <a:fillRef idx="1">
+            <a:schemeClr val="accent1"/>
+          </a:fillRef>
+          <a:effectRef idx="0">
+            <a:schemeClr val="accent1"/>
+          </a:effectRef>
+          <a:fontRef idx="minor">
+            <a:schemeClr val="lt1"/>
+          </a:fontRef>
+        </p:style>
+        <p:txBody>
+          <a:bodyPr rtlCol="0" anchor="ctr"/>
+          <a:lstStyle/>
+          <a:p>
+            <a:pPr algn="ctr"/>
+            <a:endParaRPr lang="en-US"/>
+          </a:p>
+        </p:txBody>
+      </p:sp>
+    </p:spTree>
+    <p:extLst>
+      <p:ext uri="{BB962C8B-B14F-4D97-AF65-F5344CB8AC3E}">
+        <p14:creationId xmlns:p14="http://schemas.microsoft.com/office/powerpoint/2010/main" val="1757139118"/>
+      </p:ext>
+    </p:extLst>
+  </p:cSld>
+  <p:clrMapOvr>
+    <a:masterClrMapping/>
+  </p:clrMapOvr>
+  <p:timing>
+    <p:tnLst>
+      <p:par>
+        <p:cTn id="1" dur="indefinite" restart="never" nodeType="tmRoot">
+          <p:childTnLst>
+            <p:seq concurrent="1" nextAc="seek">
+              <p:cTn id="2" dur="indefinite" nodeType="mainSeq">
+                <p:childTnLst>
+                  <p:par>
+                    <p:cTn id="3" fill="hold">
+                      <p:stCondLst>
+                        <p:cond delay="indefinite"/>
+                        <p:cond evt="onBegin" delay="0">
+                          <p:tn val="2"/>
+                        </p:cond>
+                      </p:stCondLst>
+                      <p:childTnLst>
+                        <p:par>
+                          <p:cTn id="4" fill="hold">
+                            <p:stCondLst>
+                              <p:cond delay="0"/>
+                            </p:stCondLst>
+                            <p:childTnLst>
+                              <p:par>
+                                <p:cTn id="5" presetID="10" presetClass="entr" presetSubtype="0" fill="hold" grpId="0" nodeType="withEffect">
+                                  <p:stCondLst>
+                                    <p:cond delay="1000"/>
+                                  </p:stCondLst>
+                                  <p:iterate>
+                                    <p:tmPct val="10000"/>
+                                  </p:iterate>
+                                  <p:childTnLst>
+                                    <p:set>
+                                      <p:cBhvr>
+                                        <p:cTn id="6" dur="1" fill="hold">
+                                          <p:stCondLst>
+                                            <p:cond delay="0"/>
+                                          </p:stCondLst>
+                                        </p:cTn>
+                                        <p:tgtEl>
+                                          <p:spTgt spid="3"/>
+                                        </p:tgtEl>
+                                        <p:attrNameLst>
+                                          <p:attrName>style.visibility</p:attrName>
+                                        </p:attrNameLst>
+                                      </p:cBhvr>
+                                      <p:to>
+                                        <p:strVal val="visible"/>
+                                      </p:to>
+                                    </p:set>
+                                    <p:animEffect transition="in" filter="fade">
+                                      <p:cBhvr>
+                                        <p:cTn id="7" dur="700"/>
+                                        <p:tgtEl>
+                                          <p:spTgt spid="3"/>
+                                        </p:tgtEl>
+                                      </p:cBhvr>
+                                    </p:animEffect>
+                                  </p:childTnLst>
+                                </p:cTn>
+                              </p:par>
+                            </p:childTnLst>
+                          </p:cTn>
+                        </p:par>
+                      </p:childTnLst>
+                    </p:cTn>
+                  </p:par>
+                </p:childTnLst>
+              </p:cTn>
+              <p:prevCondLst>
+                <p:cond evt="onPrev" delay="0">
+                  <p:tgtEl>
+                    <p:sldTgt/>
+                  </p:tgtEl>
+                </p:cond>
+              </p:prevCondLst>
+              <p:nextCondLst>
+                <p:cond evt="onNext" delay="0">
+                  <p:tgtEl>
+                    <p:sldTgt/>
+                  </p:tgtEl>
+                </p:cond>
+              </p:nextCondLst>
+            </p:seq>
+          </p:childTnLst>
+        </p:cTn>
+      </p:par>
+    </p:tnLst>
+    <p:bldLst>
+      <p:bldP spid="3" grpId="0"/>
+    </p:bldLst>
+  </p:timing>
+</p:sld>
+</file>
+
 <file path=ppt/slides/slide2.xml><?xml version="1.0" encoding="utf-8"?>
 <p:sld xmlns:a="http://schemas.openxmlformats.org/drawingml/2006/main" xmlns:r="http://schemas.openxmlformats.org/officeDocument/2006/relationships" xmlns:p="http://schemas.openxmlformats.org/presentationml/2006/main">
   <p:cSld>
@@ -5036,6 +6776,10 @@
             </a:r>
           </a:p>
           <a:p>
+            <a:pPr marL="285750" indent="-285750">
+              <a:buFont typeface="Wingdings" panose="05000000000000000000" pitchFamily="2" charset="2"/>
+              <a:buChar char="Ø"/>
+            </a:pPr>
             <a:endParaRPr lang="en-US" sz="2800" dirty="0"/>
           </a:p>
           <a:p>
@@ -5045,7 +6789,37 @@
             </a:pPr>
             <a:r>
               <a:rPr lang="en-US" sz="2800" dirty="0"/>
-              <a:t>Outcome/Results</a:t>
+              <a:t>Visualizations</a:t>
+            </a:r>
+          </a:p>
+          <a:p>
+            <a:endParaRPr lang="en-US" sz="2800" dirty="0"/>
+          </a:p>
+          <a:p>
+            <a:pPr marL="285750" indent="-285750">
+              <a:buFont typeface="Wingdings" panose="05000000000000000000" pitchFamily="2" charset="2"/>
+              <a:buChar char="Ø"/>
+            </a:pPr>
+            <a:r>
+              <a:rPr lang="en-US" sz="2800" dirty="0"/>
+              <a:t>Outcome/Results </a:t>
+            </a:r>
+          </a:p>
+          <a:p>
+            <a:pPr marL="285750" indent="-285750">
+              <a:buFont typeface="Wingdings" panose="05000000000000000000" pitchFamily="2" charset="2"/>
+              <a:buChar char="Ø"/>
+            </a:pPr>
+            <a:endParaRPr lang="en-US" sz="2800" dirty="0"/>
+          </a:p>
+          <a:p>
+            <a:pPr marL="285750" indent="-285750">
+              <a:buFont typeface="Wingdings" panose="05000000000000000000" pitchFamily="2" charset="2"/>
+              <a:buChar char="Ø"/>
+            </a:pPr>
+            <a:r>
+              <a:rPr lang="en-US" sz="2800" dirty="0"/>
+              <a:t>Prediction APP</a:t>
             </a:r>
           </a:p>
           <a:p>
@@ -7987,20 +9761,6 @@
                 <a:effectLst/>
                 <a:latin typeface="+mn-lt"/>
               </a:rPr>
-              <a:t>K-Nearest Neighbor</a:t>
-            </a:r>
-            <a:r>
-              <a:rPr lang="en-US" sz="2000" b="0" i="0" dirty="0">
-                <a:effectLst/>
-                <a:latin typeface="+mn-lt"/>
-              </a:rPr>
-              <a:t> and </a:t>
-            </a:r>
-            <a:r>
-              <a:rPr lang="en-US" sz="2000" b="1" i="0" dirty="0">
-                <a:effectLst/>
-                <a:latin typeface="+mn-lt"/>
-              </a:rPr>
               <a:t>Random Forest</a:t>
             </a:r>
             <a:r>
@@ -8742,6 +10502,856 @@
     <p:extLst>
       <p:ext uri="{BB962C8B-B14F-4D97-AF65-F5344CB8AC3E}">
         <p14:creationId xmlns:p14="http://schemas.microsoft.com/office/powerpoint/2010/main" val="1008016932"/>
+      </p:ext>
+    </p:extLst>
+  </p:cSld>
+  <p:clrMapOvr>
+    <a:masterClrMapping/>
+  </p:clrMapOvr>
+</p:sld>
+</file>
+
+<file path=ppt/slides/slide7.xml><?xml version="1.0" encoding="utf-8"?>
+<p:sld xmlns:a="http://schemas.openxmlformats.org/drawingml/2006/main" xmlns:r="http://schemas.openxmlformats.org/officeDocument/2006/relationships" xmlns:p="http://schemas.openxmlformats.org/presentationml/2006/main">
+  <p:cSld>
+    <p:bg>
+      <p:bgPr>
+        <a:solidFill>
+          <a:schemeClr val="bg1"/>
+        </a:solidFill>
+        <a:effectLst/>
+      </p:bgPr>
+    </p:bg>
+    <p:spTree>
+      <p:nvGrpSpPr>
+        <p:cNvPr id="1" name=""/>
+        <p:cNvGrpSpPr/>
+        <p:nvPr/>
+      </p:nvGrpSpPr>
+      <p:grpSpPr>
+        <a:xfrm>
+          <a:off x="0" y="0"/>
+          <a:ext cx="0" cy="0"/>
+          <a:chOff x="0" y="0"/>
+          <a:chExt cx="0" cy="0"/>
+        </a:xfrm>
+      </p:grpSpPr>
+      <p:sp useBgFill="1">
+        <p:nvSpPr>
+          <p:cNvPr id="13" name="Rectangle 12">
+            <a:extLst>
+              <a:ext uri="{FF2B5EF4-FFF2-40B4-BE49-F238E27FC236}">
+                <a16:creationId xmlns:a16="http://schemas.microsoft.com/office/drawing/2014/main" id="{6CCA5F87-1D1E-45CB-8D83-FC7EEFAD9935}"/>
+              </a:ext>
+              <a:ext uri="{C183D7F6-B498-43B3-948B-1728B52AA6E4}">
+                <adec:decorative xmlns:adec="http://schemas.microsoft.com/office/drawing/2017/decorative" val="1"/>
+              </a:ext>
+            </a:extLst>
+          </p:cNvPr>
+          <p:cNvSpPr>
+            <a:spLocks noGrp="1" noRot="1" noChangeAspect="1" noMove="1" noResize="1" noEditPoints="1" noAdjustHandles="1" noChangeArrowheads="1" noChangeShapeType="1" noTextEdit="1"/>
+          </p:cNvSpPr>
+          <p:nvPr>
+            <p:extLst>
+              <p:ext uri="{386F3935-93C4-4BCD-93E2-E3B085C9AB24}">
+                <p16:designElem xmlns:p16="http://schemas.microsoft.com/office/powerpoint/2015/main" val="1"/>
+              </p:ext>
+            </p:extLst>
+          </p:nvPr>
+        </p:nvSpPr>
+        <p:spPr>
+          <a:xfrm>
+            <a:off x="0" y="0"/>
+            <a:ext cx="12192000" cy="6858000"/>
+          </a:xfrm>
+          <a:prstGeom prst="rect">
+            <a:avLst/>
+          </a:prstGeom>
+          <a:ln>
+            <a:noFill/>
+          </a:ln>
+        </p:spPr>
+        <p:style>
+          <a:lnRef idx="2">
+            <a:schemeClr val="accent1">
+              <a:shade val="50000"/>
+            </a:schemeClr>
+          </a:lnRef>
+          <a:fillRef idx="1">
+            <a:schemeClr val="accent1"/>
+          </a:fillRef>
+          <a:effectRef idx="0">
+            <a:schemeClr val="accent1"/>
+          </a:effectRef>
+          <a:fontRef idx="minor">
+            <a:schemeClr val="lt1"/>
+          </a:fontRef>
+        </p:style>
+        <p:txBody>
+          <a:bodyPr rtlCol="0" anchor="ctr"/>
+          <a:lstStyle/>
+          <a:p>
+            <a:pPr algn="ctr"/>
+            <a:endParaRPr lang="en-US"/>
+          </a:p>
+        </p:txBody>
+      </p:sp>
+      <p:pic>
+        <p:nvPicPr>
+          <p:cNvPr id="3" name="Picture 2" descr="World Stroke Day: Warning signs of stroke everyone should know | Health -  Hindustan Times">
+            <a:extLst>
+              <a:ext uri="{FF2B5EF4-FFF2-40B4-BE49-F238E27FC236}">
+                <a16:creationId xmlns:a16="http://schemas.microsoft.com/office/drawing/2014/main" id="{6173A93C-BC08-8AC6-0A6E-D3DE79061F7D}"/>
+              </a:ext>
+            </a:extLst>
+          </p:cNvPr>
+          <p:cNvPicPr>
+            <a:picLocks noChangeAspect="1" noChangeArrowheads="1"/>
+          </p:cNvPicPr>
+          <p:nvPr/>
+        </p:nvPicPr>
+        <p:blipFill rotWithShape="1">
+          <a:blip r:embed="rId2">
+            <a:extLst>
+              <a:ext uri="{28A0092B-C50C-407E-A947-70E740481C1C}">
+                <a14:useLocalDpi xmlns:a14="http://schemas.microsoft.com/office/drawing/2010/main" val="0"/>
+              </a:ext>
+            </a:extLst>
+          </a:blip>
+          <a:srcRect l="28900"/>
+          <a:stretch/>
+        </p:blipFill>
+        <p:spPr bwMode="auto">
+          <a:xfrm>
+            <a:off x="20" y="10"/>
+            <a:ext cx="8668492" cy="6857990"/>
+          </a:xfrm>
+          <a:prstGeom prst="rect">
+            <a:avLst/>
+          </a:prstGeom>
+          <a:noFill/>
+          <a:extLst>
+            <a:ext uri="{909E8E84-426E-40DD-AFC4-6F175D3DCCD1}">
+              <a14:hiddenFill xmlns:a14="http://schemas.microsoft.com/office/drawing/2010/main">
+                <a:solidFill>
+                  <a:srgbClr val="FFFFFF"/>
+                </a:solidFill>
+              </a14:hiddenFill>
+            </a:ext>
+          </a:extLst>
+        </p:spPr>
+      </p:pic>
+      <p:sp>
+        <p:nvSpPr>
+          <p:cNvPr id="15" name="Rectangle 14">
+            <a:extLst>
+              <a:ext uri="{FF2B5EF4-FFF2-40B4-BE49-F238E27FC236}">
+                <a16:creationId xmlns:a16="http://schemas.microsoft.com/office/drawing/2014/main" id="{7CCFC2C6-6238-4A2F-93DE-2ADF74AF635E}"/>
+              </a:ext>
+              <a:ext uri="{C183D7F6-B498-43B3-948B-1728B52AA6E4}">
+                <adec:decorative xmlns:adec="http://schemas.microsoft.com/office/drawing/2017/decorative" val="1"/>
+              </a:ext>
+            </a:extLst>
+          </p:cNvPr>
+          <p:cNvSpPr>
+            <a:spLocks noGrp="1" noRot="1" noChangeAspect="1" noMove="1" noResize="1" noEditPoints="1" noAdjustHandles="1" noChangeArrowheads="1" noChangeShapeType="1" noTextEdit="1"/>
+          </p:cNvSpPr>
+          <p:nvPr>
+            <p:extLst>
+              <p:ext uri="{386F3935-93C4-4BCD-93E2-E3B085C9AB24}">
+                <p16:designElem xmlns:p16="http://schemas.microsoft.com/office/powerpoint/2015/main" val="1"/>
+              </p:ext>
+            </p:extLst>
+          </p:nvPr>
+        </p:nvSpPr>
+        <p:spPr>
+          <a:xfrm flipH="1">
+            <a:off x="3711652" y="0"/>
+            <a:ext cx="8480347" cy="6858000"/>
+          </a:xfrm>
+          <a:prstGeom prst="rect">
+            <a:avLst/>
+          </a:prstGeom>
+          <a:gradFill>
+            <a:gsLst>
+              <a:gs pos="48000">
+                <a:schemeClr val="bg1"/>
+              </a:gs>
+              <a:gs pos="35000">
+                <a:schemeClr val="bg1">
+                  <a:alpha val="77000"/>
+                </a:schemeClr>
+              </a:gs>
+              <a:gs pos="19000">
+                <a:schemeClr val="bg1">
+                  <a:alpha val="38000"/>
+                </a:schemeClr>
+              </a:gs>
+              <a:gs pos="0">
+                <a:schemeClr val="bg1">
+                  <a:alpha val="0"/>
+                </a:schemeClr>
+              </a:gs>
+              <a:gs pos="100000">
+                <a:schemeClr val="bg1"/>
+              </a:gs>
+            </a:gsLst>
+            <a:lin ang="10800000" scaled="0"/>
+          </a:gradFill>
+          <a:ln>
+            <a:noFill/>
+          </a:ln>
+        </p:spPr>
+        <p:style>
+          <a:lnRef idx="2">
+            <a:schemeClr val="accent1">
+              <a:shade val="50000"/>
+            </a:schemeClr>
+          </a:lnRef>
+          <a:fillRef idx="1">
+            <a:schemeClr val="accent1"/>
+          </a:fillRef>
+          <a:effectRef idx="0">
+            <a:schemeClr val="accent1"/>
+          </a:effectRef>
+          <a:fontRef idx="minor">
+            <a:schemeClr val="lt1"/>
+          </a:fontRef>
+        </p:style>
+        <p:txBody>
+          <a:bodyPr rtlCol="0" anchor="ctr"/>
+          <a:lstStyle/>
+          <a:p>
+            <a:pPr algn="ctr"/>
+            <a:endParaRPr lang="en-US" dirty="0"/>
+          </a:p>
+        </p:txBody>
+      </p:sp>
+      <p:sp>
+        <p:nvSpPr>
+          <p:cNvPr id="2" name="Title 1">
+            <a:extLst>
+              <a:ext uri="{FF2B5EF4-FFF2-40B4-BE49-F238E27FC236}">
+                <a16:creationId xmlns:a16="http://schemas.microsoft.com/office/drawing/2014/main" id="{42517F31-7A94-8E68-5036-B146EE9CA514}"/>
+              </a:ext>
+            </a:extLst>
+          </p:cNvPr>
+          <p:cNvSpPr>
+            <a:spLocks noGrp="1"/>
+          </p:cNvSpPr>
+          <p:nvPr>
+            <p:ph type="title"/>
+          </p:nvPr>
+        </p:nvSpPr>
+        <p:spPr>
+          <a:xfrm>
+            <a:off x="7848600" y="1122363"/>
+            <a:ext cx="4023360" cy="3204134"/>
+          </a:xfrm>
+        </p:spPr>
+        <p:txBody>
+          <a:bodyPr vert="horz" lIns="91440" tIns="45720" rIns="91440" bIns="45720" rtlCol="0" anchor="b">
+            <a:normAutofit/>
+          </a:bodyPr>
+          <a:lstStyle/>
+          <a:p>
+            <a:r>
+              <a:rPr lang="en-US" sz="1600" b="1"/>
+              <a:t>Inputs in Datasets</a:t>
+            </a:r>
+            <a:br>
+              <a:rPr lang="en-US" sz="1600"/>
+            </a:br>
+            <a:br>
+              <a:rPr lang="en-US" sz="1600"/>
+            </a:br>
+            <a:r>
+              <a:rPr lang="en-US" sz="1600"/>
+              <a:t>Gender</a:t>
+            </a:r>
+            <a:br>
+              <a:rPr lang="en-US" sz="1600"/>
+            </a:br>
+            <a:r>
+              <a:rPr lang="en-US" sz="1600"/>
+              <a:t>Severity level</a:t>
+            </a:r>
+            <a:br>
+              <a:rPr lang="en-US" sz="1600"/>
+            </a:br>
+            <a:r>
+              <a:rPr lang="en-US" sz="1600"/>
+              <a:t>systolic</a:t>
+            </a:r>
+            <a:br>
+              <a:rPr lang="en-US" sz="1600"/>
+            </a:br>
+            <a:r>
+              <a:rPr lang="en-US" sz="1600"/>
+              <a:t>diastolic</a:t>
+            </a:r>
+            <a:br>
+              <a:rPr lang="en-US" sz="1600"/>
+            </a:br>
+            <a:r>
+              <a:rPr lang="en-US" sz="1600"/>
+              <a:t>glucose</a:t>
+            </a:r>
+            <a:br>
+              <a:rPr lang="en-US" sz="1600"/>
+            </a:br>
+            <a:r>
+              <a:rPr lang="en-US" sz="1600"/>
+              <a:t>paralysis</a:t>
+            </a:r>
+            <a:br>
+              <a:rPr lang="en-US" sz="1600"/>
+            </a:br>
+            <a:r>
+              <a:rPr lang="en-US" sz="1600"/>
+              <a:t>smoking</a:t>
+            </a:r>
+            <a:br>
+              <a:rPr lang="en-US" sz="1600"/>
+            </a:br>
+            <a:r>
+              <a:rPr lang="en-US" sz="1600"/>
+              <a:t>BMI</a:t>
+            </a:r>
+            <a:br>
+              <a:rPr lang="en-US" sz="1600"/>
+            </a:br>
+            <a:r>
+              <a:rPr lang="en-US" sz="1600"/>
+              <a:t>cholesterol</a:t>
+            </a:r>
+            <a:br>
+              <a:rPr lang="en-US" sz="1600"/>
+            </a:br>
+            <a:br>
+              <a:rPr lang="en-US" sz="1600"/>
+            </a:br>
+            <a:endParaRPr lang="en-US" sz="1600"/>
+          </a:p>
+        </p:txBody>
+      </p:sp>
+      <p:sp>
+        <p:nvSpPr>
+          <p:cNvPr id="17" name="Rectangle 16">
+            <a:extLst>
+              <a:ext uri="{FF2B5EF4-FFF2-40B4-BE49-F238E27FC236}">
+                <a16:creationId xmlns:a16="http://schemas.microsoft.com/office/drawing/2014/main" id="{AF2F604E-43BE-4DC3-B983-E071523364F8}"/>
+              </a:ext>
+              <a:ext uri="{C183D7F6-B498-43B3-948B-1728B52AA6E4}">
+                <adec:decorative xmlns:adec="http://schemas.microsoft.com/office/drawing/2017/decorative" val="1"/>
+              </a:ext>
+            </a:extLst>
+          </p:cNvPr>
+          <p:cNvSpPr>
+            <a:spLocks noGrp="1" noRot="1" noChangeAspect="1" noMove="1" noResize="1" noEditPoints="1" noAdjustHandles="1" noChangeArrowheads="1" noChangeShapeType="1" noTextEdit="1"/>
+          </p:cNvSpPr>
+          <p:nvPr>
+            <p:extLst>
+              <p:ext uri="{386F3935-93C4-4BCD-93E2-E3B085C9AB24}">
+                <p16:designElem xmlns:p16="http://schemas.microsoft.com/office/powerpoint/2015/main" val="1"/>
+              </p:ext>
+            </p:extLst>
+          </p:nvPr>
+        </p:nvSpPr>
+        <p:spPr>
+          <a:xfrm rot="5400000">
+            <a:off x="8130540" y="346791"/>
+            <a:ext cx="146304" cy="704088"/>
+          </a:xfrm>
+          <a:prstGeom prst="rect">
+            <a:avLst/>
+          </a:prstGeom>
+          <a:solidFill>
+            <a:schemeClr val="accent2"/>
+          </a:solidFill>
+          <a:ln>
+            <a:noFill/>
+          </a:ln>
+        </p:spPr>
+        <p:style>
+          <a:lnRef idx="2">
+            <a:schemeClr val="accent1">
+              <a:shade val="50000"/>
+            </a:schemeClr>
+          </a:lnRef>
+          <a:fillRef idx="1">
+            <a:schemeClr val="accent1"/>
+          </a:fillRef>
+          <a:effectRef idx="0">
+            <a:schemeClr val="accent1"/>
+          </a:effectRef>
+          <a:fontRef idx="minor">
+            <a:schemeClr val="lt1"/>
+          </a:fontRef>
+        </p:style>
+        <p:txBody>
+          <a:bodyPr rtlCol="0" anchor="ctr"/>
+          <a:lstStyle/>
+          <a:p>
+            <a:pPr algn="ctr"/>
+            <a:endParaRPr lang="en-US">
+              <a:solidFill>
+                <a:prstClr val="white"/>
+              </a:solidFill>
+              <a:latin typeface="Calibri" panose="020F0502020204030204"/>
+            </a:endParaRPr>
+          </a:p>
+        </p:txBody>
+      </p:sp>
+      <p:sp>
+        <p:nvSpPr>
+          <p:cNvPr id="19" name="Rectangle 18">
+            <a:extLst>
+              <a:ext uri="{FF2B5EF4-FFF2-40B4-BE49-F238E27FC236}">
+                <a16:creationId xmlns:a16="http://schemas.microsoft.com/office/drawing/2014/main" id="{08C9B587-E65E-4B52-B37C-ABEBB6E87928}"/>
+              </a:ext>
+              <a:ext uri="{C183D7F6-B498-43B3-948B-1728B52AA6E4}">
+                <adec:decorative xmlns:adec="http://schemas.microsoft.com/office/drawing/2017/decorative" val="1"/>
+              </a:ext>
+            </a:extLst>
+          </p:cNvPr>
+          <p:cNvSpPr>
+            <a:spLocks noGrp="1" noRot="1" noChangeAspect="1" noMove="1" noResize="1" noEditPoints="1" noAdjustHandles="1" noChangeArrowheads="1" noChangeShapeType="1" noTextEdit="1"/>
+          </p:cNvSpPr>
+          <p:nvPr>
+            <p:extLst>
+              <p:ext uri="{386F3935-93C4-4BCD-93E2-E3B085C9AB24}">
+                <p16:designElem xmlns:p16="http://schemas.microsoft.com/office/powerpoint/2015/main" val="1"/>
+              </p:ext>
+            </p:extLst>
+          </p:nvPr>
+        </p:nvSpPr>
+        <p:spPr>
+          <a:xfrm>
+            <a:off x="7851648" y="4546920"/>
+            <a:ext cx="4023360" cy="18288"/>
+          </a:xfrm>
+          <a:prstGeom prst="rect">
+            <a:avLst/>
+          </a:prstGeom>
+          <a:solidFill>
+            <a:srgbClr val="D5D5D5"/>
+          </a:solidFill>
+          <a:ln w="3175">
+            <a:noFill/>
+          </a:ln>
+          <a:effectLst/>
+        </p:spPr>
+        <p:style>
+          <a:lnRef idx="2">
+            <a:schemeClr val="accent1">
+              <a:shade val="50000"/>
+            </a:schemeClr>
+          </a:lnRef>
+          <a:fillRef idx="1">
+            <a:schemeClr val="accent1"/>
+          </a:fillRef>
+          <a:effectRef idx="0">
+            <a:schemeClr val="accent1"/>
+          </a:effectRef>
+          <a:fontRef idx="minor">
+            <a:schemeClr val="lt1"/>
+          </a:fontRef>
+        </p:style>
+        <p:txBody>
+          <a:bodyPr rtlCol="0" anchor="ctr"/>
+          <a:lstStyle/>
+          <a:p>
+            <a:pPr marL="0" marR="0" lvl="0" indent="0" algn="ctr" defTabSz="914400" rtl="0" eaLnBrk="1" fontAlgn="auto" latinLnBrk="0" hangingPunct="1">
+              <a:lnSpc>
+                <a:spcPct val="100000"/>
+              </a:lnSpc>
+              <a:spcBef>
+                <a:spcPts val="0"/>
+              </a:spcBef>
+              <a:spcAft>
+                <a:spcPts val="0"/>
+              </a:spcAft>
+              <a:buClrTx/>
+              <a:buSzTx/>
+              <a:buFontTx/>
+              <a:buNone/>
+              <a:tabLst/>
+              <a:defRPr/>
+            </a:pPr>
+            <a:endParaRPr kumimoji="0" lang="en-US" sz="1800" b="0" i="0" u="none" strike="noStrike" kern="1200" cap="none" spc="0" normalizeH="0" baseline="0" noProof="0">
+              <a:ln>
+                <a:noFill/>
+              </a:ln>
+              <a:solidFill>
+                <a:prstClr val="white"/>
+              </a:solidFill>
+              <a:effectLst/>
+              <a:uLnTx/>
+              <a:uFillTx/>
+              <a:latin typeface="Calibri" panose="020F0502020204030204"/>
+              <a:ea typeface="+mn-ea"/>
+              <a:cs typeface="+mn-cs"/>
+            </a:endParaRPr>
+          </a:p>
+        </p:txBody>
+      </p:sp>
+    </p:spTree>
+    <p:extLst>
+      <p:ext uri="{BB962C8B-B14F-4D97-AF65-F5344CB8AC3E}">
+        <p14:creationId xmlns:p14="http://schemas.microsoft.com/office/powerpoint/2010/main" val="3425648627"/>
+      </p:ext>
+    </p:extLst>
+  </p:cSld>
+  <p:clrMapOvr>
+    <a:masterClrMapping/>
+  </p:clrMapOvr>
+</p:sld>
+</file>
+
+<file path=ppt/slides/slide8.xml><?xml version="1.0" encoding="utf-8"?>
+<p:sld xmlns:a="http://schemas.openxmlformats.org/drawingml/2006/main" xmlns:r="http://schemas.openxmlformats.org/officeDocument/2006/relationships" xmlns:p="http://schemas.openxmlformats.org/presentationml/2006/main">
+  <p:cSld>
+    <p:bg>
+      <p:bgPr>
+        <a:solidFill>
+          <a:schemeClr val="bg1"/>
+        </a:solidFill>
+        <a:effectLst/>
+      </p:bgPr>
+    </p:bg>
+    <p:spTree>
+      <p:nvGrpSpPr>
+        <p:cNvPr id="1" name=""/>
+        <p:cNvGrpSpPr/>
+        <p:nvPr/>
+      </p:nvGrpSpPr>
+      <p:grpSpPr>
+        <a:xfrm>
+          <a:off x="0" y="0"/>
+          <a:ext cx="0" cy="0"/>
+          <a:chOff x="0" y="0"/>
+          <a:chExt cx="0" cy="0"/>
+        </a:xfrm>
+      </p:grpSpPr>
+      <p:sp>
+        <p:nvSpPr>
+          <p:cNvPr id="7" name="Title 6">
+            <a:extLst>
+              <a:ext uri="{FF2B5EF4-FFF2-40B4-BE49-F238E27FC236}">
+                <a16:creationId xmlns:a16="http://schemas.microsoft.com/office/drawing/2014/main" id="{7803E918-73CB-6F56-5DF4-AA84C270A813}"/>
+              </a:ext>
+            </a:extLst>
+          </p:cNvPr>
+          <p:cNvSpPr>
+            <a:spLocks noGrp="1"/>
+          </p:cNvSpPr>
+          <p:nvPr>
+            <p:ph type="title"/>
+          </p:nvPr>
+        </p:nvSpPr>
+        <p:spPr>
+          <a:xfrm>
+            <a:off x="481013" y="3752849"/>
+            <a:ext cx="3290887" cy="2452687"/>
+          </a:xfrm>
+        </p:spPr>
+        <p:txBody>
+          <a:bodyPr anchor="ctr">
+            <a:normAutofit/>
+          </a:bodyPr>
+          <a:lstStyle/>
+          <a:p>
+            <a:r>
+              <a:rPr lang="en-US" sz="3600" dirty="0"/>
+              <a:t>Visualizations</a:t>
+            </a:r>
+          </a:p>
+        </p:txBody>
+      </p:sp>
+      <p:pic>
+        <p:nvPicPr>
+          <p:cNvPr id="3" name="Picture 2" descr="Stroke | Ministry of Health">
+            <a:extLst>
+              <a:ext uri="{FF2B5EF4-FFF2-40B4-BE49-F238E27FC236}">
+                <a16:creationId xmlns:a16="http://schemas.microsoft.com/office/drawing/2014/main" id="{F72F0B21-084E-2971-41B9-0ABAF508D4C3}"/>
+              </a:ext>
+            </a:extLst>
+          </p:cNvPr>
+          <p:cNvPicPr>
+            <a:picLocks noChangeAspect="1" noChangeArrowheads="1"/>
+          </p:cNvPicPr>
+          <p:nvPr/>
+        </p:nvPicPr>
+        <p:blipFill rotWithShape="1">
+          <a:blip r:embed="rId2">
+            <a:extLst>
+              <a:ext uri="{28A0092B-C50C-407E-A947-70E740481C1C}">
+                <a14:useLocalDpi xmlns:a14="http://schemas.microsoft.com/office/drawing/2010/main" val="0"/>
+              </a:ext>
+            </a:extLst>
+          </a:blip>
+          <a:srcRect l="1429" r="1" b="1"/>
+          <a:stretch/>
+        </p:blipFill>
+        <p:spPr bwMode="auto">
+          <a:xfrm>
+            <a:off x="20" y="10"/>
+            <a:ext cx="12191980" cy="3710603"/>
+          </a:xfrm>
+          <a:custGeom>
+            <a:avLst/>
+            <a:gdLst/>
+            <a:ahLst/>
+            <a:cxnLst/>
+            <a:rect l="l" t="t" r="r" b="b"/>
+            <a:pathLst>
+              <a:path w="12192000" h="3692092">
+                <a:moveTo>
+                  <a:pt x="0" y="0"/>
+                </a:moveTo>
+                <a:lnTo>
+                  <a:pt x="12192000" y="0"/>
+                </a:lnTo>
+                <a:lnTo>
+                  <a:pt x="12192000" y="3504824"/>
+                </a:lnTo>
+                <a:lnTo>
+                  <a:pt x="12024691" y="3517794"/>
+                </a:lnTo>
+                <a:cubicBezTo>
+                  <a:pt x="8077523" y="3783195"/>
+                  <a:pt x="4094678" y="3026959"/>
+                  <a:pt x="160485" y="3663863"/>
+                </a:cubicBezTo>
+                <a:lnTo>
+                  <a:pt x="0" y="3692092"/>
+                </a:lnTo>
+                <a:close/>
+              </a:path>
+            </a:pathLst>
+          </a:custGeom>
+          <a:noFill/>
+          <a:extLst>
+            <a:ext uri="{909E8E84-426E-40DD-AFC4-6F175D3DCCD1}">
+              <a14:hiddenFill xmlns:a14="http://schemas.microsoft.com/office/drawing/2010/main">
+                <a:solidFill>
+                  <a:srgbClr val="FFFFFF"/>
+                </a:solidFill>
+              </a14:hiddenFill>
+            </a:ext>
+          </a:extLst>
+        </p:spPr>
+      </p:pic>
+      <p:pic>
+        <p:nvPicPr>
+          <p:cNvPr id="10" name="Content Placeholder 9" descr="Chart, line chart&#10;&#10;Description automatically generated">
+            <a:extLst>
+              <a:ext uri="{FF2B5EF4-FFF2-40B4-BE49-F238E27FC236}">
+                <a16:creationId xmlns:a16="http://schemas.microsoft.com/office/drawing/2014/main" id="{2C1AE5BC-3F58-2FDC-7169-26B418CE8BA0}"/>
+              </a:ext>
+            </a:extLst>
+          </p:cNvPr>
+          <p:cNvPicPr>
+            <a:picLocks noGrp="1" noChangeAspect="1"/>
+          </p:cNvPicPr>
+          <p:nvPr>
+            <p:ph idx="1"/>
+          </p:nvPr>
+        </p:nvPicPr>
+        <p:blipFill>
+          <a:blip r:embed="rId3"/>
+          <a:stretch>
+            <a:fillRect/>
+          </a:stretch>
+        </p:blipFill>
+        <p:spPr>
+          <a:xfrm>
+            <a:off x="5019473" y="3560322"/>
+            <a:ext cx="6186792" cy="3297667"/>
+          </a:xfrm>
+        </p:spPr>
+      </p:pic>
+    </p:spTree>
+    <p:extLst>
+      <p:ext uri="{BB962C8B-B14F-4D97-AF65-F5344CB8AC3E}">
+        <p14:creationId xmlns:p14="http://schemas.microsoft.com/office/powerpoint/2010/main" val="3991494421"/>
+      </p:ext>
+    </p:extLst>
+  </p:cSld>
+  <p:clrMapOvr>
+    <a:masterClrMapping/>
+  </p:clrMapOvr>
+</p:sld>
+</file>
+
+<file path=ppt/slides/slide9.xml><?xml version="1.0" encoding="utf-8"?>
+<p:sld xmlns:a="http://schemas.openxmlformats.org/drawingml/2006/main" xmlns:r="http://schemas.openxmlformats.org/officeDocument/2006/relationships" xmlns:p="http://schemas.openxmlformats.org/presentationml/2006/main">
+  <p:cSld>
+    <p:bg>
+      <p:bgPr>
+        <a:solidFill>
+          <a:schemeClr val="bg1"/>
+        </a:solidFill>
+        <a:effectLst/>
+      </p:bgPr>
+    </p:bg>
+    <p:spTree>
+      <p:nvGrpSpPr>
+        <p:cNvPr id="1" name=""/>
+        <p:cNvGrpSpPr/>
+        <p:nvPr/>
+      </p:nvGrpSpPr>
+      <p:grpSpPr>
+        <a:xfrm>
+          <a:off x="0" y="0"/>
+          <a:ext cx="0" cy="0"/>
+          <a:chOff x="0" y="0"/>
+          <a:chExt cx="0" cy="0"/>
+        </a:xfrm>
+      </p:grpSpPr>
+      <p:sp>
+        <p:nvSpPr>
+          <p:cNvPr id="7" name="Title 6">
+            <a:extLst>
+              <a:ext uri="{FF2B5EF4-FFF2-40B4-BE49-F238E27FC236}">
+                <a16:creationId xmlns:a16="http://schemas.microsoft.com/office/drawing/2014/main" id="{7803E918-73CB-6F56-5DF4-AA84C270A813}"/>
+              </a:ext>
+            </a:extLst>
+          </p:cNvPr>
+          <p:cNvSpPr>
+            <a:spLocks noGrp="1"/>
+          </p:cNvSpPr>
+          <p:nvPr>
+            <p:ph type="title"/>
+          </p:nvPr>
+        </p:nvSpPr>
+        <p:spPr>
+          <a:xfrm>
+            <a:off x="481013" y="3752849"/>
+            <a:ext cx="3290887" cy="2452687"/>
+          </a:xfrm>
+        </p:spPr>
+        <p:txBody>
+          <a:bodyPr anchor="ctr">
+            <a:normAutofit/>
+          </a:bodyPr>
+          <a:lstStyle/>
+          <a:p>
+            <a:r>
+              <a:rPr lang="en-US" sz="3600" dirty="0"/>
+              <a:t>Visualizations</a:t>
+            </a:r>
+          </a:p>
+        </p:txBody>
+      </p:sp>
+      <p:pic>
+        <p:nvPicPr>
+          <p:cNvPr id="3" name="Picture 2" descr="Stroke | Ministry of Health">
+            <a:extLst>
+              <a:ext uri="{FF2B5EF4-FFF2-40B4-BE49-F238E27FC236}">
+                <a16:creationId xmlns:a16="http://schemas.microsoft.com/office/drawing/2014/main" id="{F72F0B21-084E-2971-41B9-0ABAF508D4C3}"/>
+              </a:ext>
+            </a:extLst>
+          </p:cNvPr>
+          <p:cNvPicPr>
+            <a:picLocks noChangeAspect="1" noChangeArrowheads="1"/>
+          </p:cNvPicPr>
+          <p:nvPr/>
+        </p:nvPicPr>
+        <p:blipFill rotWithShape="1">
+          <a:blip r:embed="rId2">
+            <a:extLst>
+              <a:ext uri="{28A0092B-C50C-407E-A947-70E740481C1C}">
+                <a14:useLocalDpi xmlns:a14="http://schemas.microsoft.com/office/drawing/2010/main" val="0"/>
+              </a:ext>
+            </a:extLst>
+          </a:blip>
+          <a:srcRect l="1429" r="1" b="1"/>
+          <a:stretch/>
+        </p:blipFill>
+        <p:spPr bwMode="auto">
+          <a:xfrm>
+            <a:off x="20" y="10"/>
+            <a:ext cx="12191980" cy="3710603"/>
+          </a:xfrm>
+          <a:custGeom>
+            <a:avLst/>
+            <a:gdLst/>
+            <a:ahLst/>
+            <a:cxnLst/>
+            <a:rect l="l" t="t" r="r" b="b"/>
+            <a:pathLst>
+              <a:path w="12192000" h="3692092">
+                <a:moveTo>
+                  <a:pt x="0" y="0"/>
+                </a:moveTo>
+                <a:lnTo>
+                  <a:pt x="12192000" y="0"/>
+                </a:lnTo>
+                <a:lnTo>
+                  <a:pt x="12192000" y="3504824"/>
+                </a:lnTo>
+                <a:lnTo>
+                  <a:pt x="12024691" y="3517794"/>
+                </a:lnTo>
+                <a:cubicBezTo>
+                  <a:pt x="8077523" y="3783195"/>
+                  <a:pt x="4094678" y="3026959"/>
+                  <a:pt x="160485" y="3663863"/>
+                </a:cubicBezTo>
+                <a:lnTo>
+                  <a:pt x="0" y="3692092"/>
+                </a:lnTo>
+                <a:close/>
+              </a:path>
+            </a:pathLst>
+          </a:custGeom>
+          <a:noFill/>
+          <a:extLst>
+            <a:ext uri="{909E8E84-426E-40DD-AFC4-6F175D3DCCD1}">
+              <a14:hiddenFill xmlns:a14="http://schemas.microsoft.com/office/drawing/2010/main">
+                <a:solidFill>
+                  <a:srgbClr val="FFFFFF"/>
+                </a:solidFill>
+              </a14:hiddenFill>
+            </a:ext>
+          </a:extLst>
+        </p:spPr>
+      </p:pic>
+      <p:pic>
+        <p:nvPicPr>
+          <p:cNvPr id="6" name="Content Placeholder 5" descr="A picture containing line chart">
+            <a:extLst>
+              <a:ext uri="{FF2B5EF4-FFF2-40B4-BE49-F238E27FC236}">
+                <a16:creationId xmlns:a16="http://schemas.microsoft.com/office/drawing/2014/main" id="{6E243664-4CFF-F521-9FD2-FB1D964FCC25}"/>
+              </a:ext>
+            </a:extLst>
+          </p:cNvPr>
+          <p:cNvPicPr>
+            <a:picLocks noGrp="1" noChangeAspect="1"/>
+          </p:cNvPicPr>
+          <p:nvPr>
+            <p:ph idx="1"/>
+          </p:nvPr>
+        </p:nvPicPr>
+        <p:blipFill>
+          <a:blip r:embed="rId3"/>
+          <a:stretch>
+            <a:fillRect/>
+          </a:stretch>
+        </p:blipFill>
+        <p:spPr>
+          <a:xfrm>
+            <a:off x="4011901" y="2994260"/>
+            <a:ext cx="7429871" cy="3710604"/>
+          </a:xfrm>
+        </p:spPr>
+      </p:pic>
+    </p:spTree>
+    <p:extLst>
+      <p:ext uri="{BB962C8B-B14F-4D97-AF65-F5344CB8AC3E}">
+        <p14:creationId xmlns:p14="http://schemas.microsoft.com/office/powerpoint/2010/main" val="2782845175"/>
       </p:ext>
     </p:extLst>
   </p:cSld>

--- a/Stroke_Anaylsis_Presentation(final) (1).pptx
+++ b/Stroke_Anaylsis_Presentation(final) (1).pptx
@@ -1195,7 +1195,7 @@
           <a:p>
             <a:fld id="{147D3F62-ED92-5D47-894A-59552459CD11}" type="datetimeFigureOut">
               <a:rPr lang="en-US" smtClean="0"/>
-              <a:t>12/6/2022</a:t>
+              <a:t>12/6/22</a:t>
             </a:fld>
             <a:endParaRPr lang="en-US"/>
           </a:p>
@@ -1393,7 +1393,7 @@
           <a:p>
             <a:fld id="{147D3F62-ED92-5D47-894A-59552459CD11}" type="datetimeFigureOut">
               <a:rPr lang="en-US" smtClean="0"/>
-              <a:t>12/6/2022</a:t>
+              <a:t>12/6/22</a:t>
             </a:fld>
             <a:endParaRPr lang="en-US"/>
           </a:p>
@@ -1601,7 +1601,7 @@
           <a:p>
             <a:fld id="{147D3F62-ED92-5D47-894A-59552459CD11}" type="datetimeFigureOut">
               <a:rPr lang="en-US" smtClean="0"/>
-              <a:t>12/6/2022</a:t>
+              <a:t>12/6/22</a:t>
             </a:fld>
             <a:endParaRPr lang="en-US"/>
           </a:p>
@@ -1799,7 +1799,7 @@
           <a:p>
             <a:fld id="{147D3F62-ED92-5D47-894A-59552459CD11}" type="datetimeFigureOut">
               <a:rPr lang="en-US" smtClean="0"/>
-              <a:t>12/6/2022</a:t>
+              <a:t>12/6/22</a:t>
             </a:fld>
             <a:endParaRPr lang="en-US"/>
           </a:p>
@@ -2074,7 +2074,7 @@
           <a:p>
             <a:fld id="{147D3F62-ED92-5D47-894A-59552459CD11}" type="datetimeFigureOut">
               <a:rPr lang="en-US" smtClean="0"/>
-              <a:t>12/6/2022</a:t>
+              <a:t>12/6/22</a:t>
             </a:fld>
             <a:endParaRPr lang="en-US"/>
           </a:p>
@@ -2339,7 +2339,7 @@
           <a:p>
             <a:fld id="{147D3F62-ED92-5D47-894A-59552459CD11}" type="datetimeFigureOut">
               <a:rPr lang="en-US" smtClean="0"/>
-              <a:t>12/6/2022</a:t>
+              <a:t>12/6/22</a:t>
             </a:fld>
             <a:endParaRPr lang="en-US"/>
           </a:p>
@@ -2751,7 +2751,7 @@
           <a:p>
             <a:fld id="{147D3F62-ED92-5D47-894A-59552459CD11}" type="datetimeFigureOut">
               <a:rPr lang="en-US" smtClean="0"/>
-              <a:t>12/6/2022</a:t>
+              <a:t>12/6/22</a:t>
             </a:fld>
             <a:endParaRPr lang="en-US"/>
           </a:p>
@@ -2892,7 +2892,7 @@
           <a:p>
             <a:fld id="{147D3F62-ED92-5D47-894A-59552459CD11}" type="datetimeFigureOut">
               <a:rPr lang="en-US" smtClean="0"/>
-              <a:t>12/6/2022</a:t>
+              <a:t>12/6/22</a:t>
             </a:fld>
             <a:endParaRPr lang="en-US"/>
           </a:p>
@@ -3005,7 +3005,7 @@
           <a:p>
             <a:fld id="{147D3F62-ED92-5D47-894A-59552459CD11}" type="datetimeFigureOut">
               <a:rPr lang="en-US" smtClean="0"/>
-              <a:t>12/6/2022</a:t>
+              <a:t>12/6/22</a:t>
             </a:fld>
             <a:endParaRPr lang="en-US"/>
           </a:p>
@@ -3316,7 +3316,7 @@
           <a:p>
             <a:fld id="{147D3F62-ED92-5D47-894A-59552459CD11}" type="datetimeFigureOut">
               <a:rPr lang="en-US" smtClean="0"/>
-              <a:t>12/6/2022</a:t>
+              <a:t>12/6/22</a:t>
             </a:fld>
             <a:endParaRPr lang="en-US"/>
           </a:p>
@@ -3604,7 +3604,7 @@
           <a:p>
             <a:fld id="{147D3F62-ED92-5D47-894A-59552459CD11}" type="datetimeFigureOut">
               <a:rPr lang="en-US" smtClean="0"/>
-              <a:t>12/6/2022</a:t>
+              <a:t>12/6/22</a:t>
             </a:fld>
             <a:endParaRPr lang="en-US"/>
           </a:p>
@@ -3845,7 +3845,7 @@
           <a:p>
             <a:fld id="{147D3F62-ED92-5D47-894A-59552459CD11}" type="datetimeFigureOut">
               <a:rPr lang="en-US" smtClean="0"/>
-              <a:t>12/6/2022</a:t>
+              <a:t>12/6/22</a:t>
             </a:fld>
             <a:endParaRPr lang="en-US"/>
           </a:p>
@@ -10756,82 +10756,75 @@
           <a:lstStyle/>
           <a:p>
             <a:r>
-              <a:rPr lang="en-US" sz="1600" b="1"/>
+              <a:rPr lang="en-US" sz="1600" b="1" dirty="0"/>
               <a:t>Inputs in Datasets</a:t>
             </a:r>
             <a:br>
-              <a:rPr lang="en-US" sz="1600"/>
+              <a:rPr lang="en-US" sz="1600" dirty="0"/>
             </a:br>
             <a:br>
-              <a:rPr lang="en-US" sz="1600"/>
+              <a:rPr lang="en-US" sz="1600" dirty="0"/>
             </a:br>
             <a:r>
-              <a:rPr lang="en-US" sz="1600"/>
+              <a:rPr lang="en-US" sz="1600" dirty="0"/>
               <a:t>Gender</a:t>
             </a:r>
             <a:br>
-              <a:rPr lang="en-US" sz="1600"/>
+              <a:rPr lang="en-US" sz="1600" dirty="0"/>
             </a:br>
             <a:r>
-              <a:rPr lang="en-US" sz="1600"/>
+              <a:rPr lang="en-US" sz="1600" dirty="0"/>
               <a:t>Severity level</a:t>
             </a:r>
             <a:br>
-              <a:rPr lang="en-US" sz="1600"/>
+              <a:rPr lang="en-US" sz="1600" dirty="0"/>
             </a:br>
             <a:r>
-              <a:rPr lang="en-US" sz="1600"/>
+              <a:rPr lang="en-US" sz="1600" dirty="0"/>
               <a:t>systolic</a:t>
             </a:r>
             <a:br>
-              <a:rPr lang="en-US" sz="1600"/>
+              <a:rPr lang="en-US" sz="1600" dirty="0"/>
             </a:br>
             <a:r>
-              <a:rPr lang="en-US" sz="1600"/>
+              <a:rPr lang="en-US" sz="1600" dirty="0"/>
               <a:t>diastolic</a:t>
             </a:r>
             <a:br>
-              <a:rPr lang="en-US" sz="1600"/>
+              <a:rPr lang="en-US" sz="1600" dirty="0"/>
             </a:br>
             <a:r>
-              <a:rPr lang="en-US" sz="1600"/>
+              <a:rPr lang="en-US" sz="1600" dirty="0"/>
               <a:t>glucose</a:t>
             </a:r>
             <a:br>
-              <a:rPr lang="en-US" sz="1600"/>
+              <a:rPr lang="en-US" sz="1600" dirty="0"/>
             </a:br>
             <a:r>
-              <a:rPr lang="en-US" sz="1600"/>
-              <a:t>paralysis</a:t>
-            </a:r>
-            <a:br>
-              <a:rPr lang="en-US" sz="1600"/>
-            </a:br>
-            <a:r>
-              <a:rPr lang="en-US" sz="1600"/>
+              <a:rPr lang="en-US" sz="1600" dirty="0"/>
               <a:t>smoking</a:t>
             </a:r>
             <a:br>
-              <a:rPr lang="en-US" sz="1600"/>
+              <a:rPr lang="en-US" sz="1600" dirty="0"/>
             </a:br>
             <a:r>
-              <a:rPr lang="en-US" sz="1600"/>
+              <a:rPr lang="en-US" sz="1600" dirty="0"/>
               <a:t>BMI</a:t>
             </a:r>
             <a:br>
-              <a:rPr lang="en-US" sz="1600"/>
+              <a:rPr lang="en-US" sz="1600" dirty="0"/>
             </a:br>
             <a:r>
-              <a:rPr lang="en-US" sz="1600"/>
+              <a:rPr lang="en-US" sz="1600" dirty="0"/>
               <a:t>cholesterol</a:t>
             </a:r>
             <a:br>
-              <a:rPr lang="en-US" sz="1600"/>
+              <a:rPr lang="en-US" sz="1600" dirty="0"/>
             </a:br>
             <a:br>
-              <a:rPr lang="en-US" sz="1600"/>
+              <a:rPr lang="en-US" sz="1600" dirty="0"/>
             </a:br>
-            <a:endParaRPr lang="en-US" sz="1600"/>
+            <a:endParaRPr lang="en-US" sz="1600" dirty="0"/>
           </a:p>
         </p:txBody>
       </p:sp>

--- a/Stroke_Anaylsis_Presentation(final) (1).pptx
+++ b/Stroke_Anaylsis_Presentation(final) (1).pptx
@@ -148,7 +148,7 @@
   <pc:docChgLst>
     <pc:chgData name="Paul Serna" userId="ebf308b099793f17" providerId="LiveId" clId="{8B39D111-DF5E-47AA-AE6B-FA8520D83B01}"/>
     <pc:docChg chg="undo custSel addSld delSld modSld sldOrd">
-      <pc:chgData name="Paul Serna" userId="ebf308b099793f17" providerId="LiveId" clId="{8B39D111-DF5E-47AA-AE6B-FA8520D83B01}" dt="2022-12-07T03:41:23.742" v="563" actId="26606"/>
+      <pc:chgData name="Paul Serna" userId="ebf308b099793f17" providerId="LiveId" clId="{8B39D111-DF5E-47AA-AE6B-FA8520D83B01}" dt="2022-12-08T00:30:19.638" v="570" actId="27636"/>
       <pc:docMkLst>
         <pc:docMk/>
       </pc:docMkLst>
@@ -327,7 +327,7 @@
         </pc:picChg>
       </pc:sldChg>
       <pc:sldChg chg="addSp delSp modSp mod ord">
-        <pc:chgData name="Paul Serna" userId="ebf308b099793f17" providerId="LiveId" clId="{8B39D111-DF5E-47AA-AE6B-FA8520D83B01}" dt="2022-12-07T01:10:33.402" v="369" actId="113"/>
+        <pc:chgData name="Paul Serna" userId="ebf308b099793f17" providerId="LiveId" clId="{8B39D111-DF5E-47AA-AE6B-FA8520D83B01}" dt="2022-12-08T00:30:19.638" v="570" actId="27636"/>
         <pc:sldMkLst>
           <pc:docMk/>
           <pc:sldMk cId="2721548848" sldId="285"/>
@@ -341,7 +341,7 @@
           </ac:spMkLst>
         </pc:spChg>
         <pc:spChg chg="mod">
-          <ac:chgData name="Paul Serna" userId="ebf308b099793f17" providerId="LiveId" clId="{8B39D111-DF5E-47AA-AE6B-FA8520D83B01}" dt="2022-12-07T00:57:14.917" v="156" actId="27636"/>
+          <ac:chgData name="Paul Serna" userId="ebf308b099793f17" providerId="LiveId" clId="{8B39D111-DF5E-47AA-AE6B-FA8520D83B01}" dt="2022-12-08T00:30:19.638" v="570" actId="27636"/>
           <ac:spMkLst>
             <pc:docMk/>
             <pc:sldMk cId="2721548848" sldId="285"/>
@@ -557,7 +557,7 @@
         </pc:picChg>
       </pc:sldChg>
       <pc:sldChg chg="addSp delSp modSp add mod">
-        <pc:chgData name="Paul Serna" userId="ebf308b099793f17" providerId="LiveId" clId="{8B39D111-DF5E-47AA-AE6B-FA8520D83B01}" dt="2022-12-07T01:10:29.223" v="368" actId="113"/>
+        <pc:chgData name="Paul Serna" userId="ebf308b099793f17" providerId="LiveId" clId="{8B39D111-DF5E-47AA-AE6B-FA8520D83B01}" dt="2022-12-07T03:58:00.753" v="568" actId="255"/>
         <pc:sldMkLst>
           <pc:docMk/>
           <pc:sldMk cId="953211825" sldId="287"/>
@@ -571,7 +571,7 @@
           </ac:spMkLst>
         </pc:spChg>
         <pc:spChg chg="mod">
-          <ac:chgData name="Paul Serna" userId="ebf308b099793f17" providerId="LiveId" clId="{8B39D111-DF5E-47AA-AE6B-FA8520D83B01}" dt="2022-12-07T01:00:01.356" v="186" actId="20577"/>
+          <ac:chgData name="Paul Serna" userId="ebf308b099793f17" providerId="LiveId" clId="{8B39D111-DF5E-47AA-AE6B-FA8520D83B01}" dt="2022-12-07T03:58:00.753" v="568" actId="255"/>
           <ac:spMkLst>
             <pc:docMk/>
             <pc:sldMk cId="953211825" sldId="287"/>
@@ -1195,7 +1195,7 @@
           <a:p>
             <a:fld id="{147D3F62-ED92-5D47-894A-59552459CD11}" type="datetimeFigureOut">
               <a:rPr lang="en-US" smtClean="0"/>
-              <a:t>12/6/22</a:t>
+              <a:t>12/7/2022</a:t>
             </a:fld>
             <a:endParaRPr lang="en-US"/>
           </a:p>
@@ -1393,7 +1393,7 @@
           <a:p>
             <a:fld id="{147D3F62-ED92-5D47-894A-59552459CD11}" type="datetimeFigureOut">
               <a:rPr lang="en-US" smtClean="0"/>
-              <a:t>12/6/22</a:t>
+              <a:t>12/7/2022</a:t>
             </a:fld>
             <a:endParaRPr lang="en-US"/>
           </a:p>
@@ -1601,7 +1601,7 @@
           <a:p>
             <a:fld id="{147D3F62-ED92-5D47-894A-59552459CD11}" type="datetimeFigureOut">
               <a:rPr lang="en-US" smtClean="0"/>
-              <a:t>12/6/22</a:t>
+              <a:t>12/7/2022</a:t>
             </a:fld>
             <a:endParaRPr lang="en-US"/>
           </a:p>
@@ -1799,7 +1799,7 @@
           <a:p>
             <a:fld id="{147D3F62-ED92-5D47-894A-59552459CD11}" type="datetimeFigureOut">
               <a:rPr lang="en-US" smtClean="0"/>
-              <a:t>12/6/22</a:t>
+              <a:t>12/7/2022</a:t>
             </a:fld>
             <a:endParaRPr lang="en-US"/>
           </a:p>
@@ -2074,7 +2074,7 @@
           <a:p>
             <a:fld id="{147D3F62-ED92-5D47-894A-59552459CD11}" type="datetimeFigureOut">
               <a:rPr lang="en-US" smtClean="0"/>
-              <a:t>12/6/22</a:t>
+              <a:t>12/7/2022</a:t>
             </a:fld>
             <a:endParaRPr lang="en-US"/>
           </a:p>
@@ -2339,7 +2339,7 @@
           <a:p>
             <a:fld id="{147D3F62-ED92-5D47-894A-59552459CD11}" type="datetimeFigureOut">
               <a:rPr lang="en-US" smtClean="0"/>
-              <a:t>12/6/22</a:t>
+              <a:t>12/7/2022</a:t>
             </a:fld>
             <a:endParaRPr lang="en-US"/>
           </a:p>
@@ -2751,7 +2751,7 @@
           <a:p>
             <a:fld id="{147D3F62-ED92-5D47-894A-59552459CD11}" type="datetimeFigureOut">
               <a:rPr lang="en-US" smtClean="0"/>
-              <a:t>12/6/22</a:t>
+              <a:t>12/7/2022</a:t>
             </a:fld>
             <a:endParaRPr lang="en-US"/>
           </a:p>
@@ -2892,7 +2892,7 @@
           <a:p>
             <a:fld id="{147D3F62-ED92-5D47-894A-59552459CD11}" type="datetimeFigureOut">
               <a:rPr lang="en-US" smtClean="0"/>
-              <a:t>12/6/22</a:t>
+              <a:t>12/7/2022</a:t>
             </a:fld>
             <a:endParaRPr lang="en-US"/>
           </a:p>
@@ -3005,7 +3005,7 @@
           <a:p>
             <a:fld id="{147D3F62-ED92-5D47-894A-59552459CD11}" type="datetimeFigureOut">
               <a:rPr lang="en-US" smtClean="0"/>
-              <a:t>12/6/22</a:t>
+              <a:t>12/7/2022</a:t>
             </a:fld>
             <a:endParaRPr lang="en-US"/>
           </a:p>
@@ -3316,7 +3316,7 @@
           <a:p>
             <a:fld id="{147D3F62-ED92-5D47-894A-59552459CD11}" type="datetimeFigureOut">
               <a:rPr lang="en-US" smtClean="0"/>
-              <a:t>12/6/22</a:t>
+              <a:t>12/7/2022</a:t>
             </a:fld>
             <a:endParaRPr lang="en-US"/>
           </a:p>
@@ -3604,7 +3604,7 @@
           <a:p>
             <a:fld id="{147D3F62-ED92-5D47-894A-59552459CD11}" type="datetimeFigureOut">
               <a:rPr lang="en-US" smtClean="0"/>
-              <a:t>12/6/22</a:t>
+              <a:t>12/7/2022</a:t>
             </a:fld>
             <a:endParaRPr lang="en-US"/>
           </a:p>
@@ -3845,7 +3845,7 @@
           <a:p>
             <a:fld id="{147D3F62-ED92-5D47-894A-59552459CD11}" type="datetimeFigureOut">
               <a:rPr lang="en-US" smtClean="0"/>
-              <a:t>12/6/22</a:t>
+              <a:t>12/7/2022</a:t>
             </a:fld>
             <a:endParaRPr lang="en-US"/>
           </a:p>
@@ -7204,7 +7204,7 @@
         </p:style>
         <p:txBody>
           <a:bodyPr vert="horz" lIns="91440" tIns="45720" rIns="91440" bIns="45720" rtlCol="0">
-            <a:normAutofit fontScale="92500" lnSpcReduction="10000"/>
+            <a:normAutofit fontScale="92500"/>
           </a:bodyPr>
           <a:lstStyle/>
           <a:p>
@@ -7237,14 +7237,20 @@
                 <a:ea typeface="Calibri" panose="020F0502020204030204" pitchFamily="34" charset="0"/>
                 <a:cs typeface="Calibri" panose="020F0502020204030204" pitchFamily="34" charset="0"/>
               </a:rPr>
-              <a:t>According to the CDC, in 2020, 1 in 6 deaths resulted from cardiovascular disease due to stroke. In addition, according to CDC, Stroke is the 5th leading cause of death in the US. This dataset predicts whether an individual will be prone to suffer from a stroke contingent upon the input parameters like age, residence type, gender, hypertension, cardiovascular diseases, marital status, working sector, and smoking status. The dataset provides relevant details about everyone.</a:t>
+              <a:t>According to the CDC, in 2020, 1 in 6 deaths resulted from cardiovascular disease due to stroke. In addition, according to CDC, Stroke is the 5th leading cause of death in the US. This dataset predicts stroke severity for patients who have suffered a stroke by examining the input parameters like age, gender, systolic, diastolic, severity level, glucose, paralysis, smoking, BMI, and cholesterol. </a:t>
             </a:r>
-            <a:endParaRPr lang="en-US" sz="2000" dirty="0">
-              <a:effectLst/>
-              <a:latin typeface="Calibri" panose="020F0502020204030204" pitchFamily="34" charset="0"/>
-              <a:ea typeface="Calibri" panose="020F0502020204030204" pitchFamily="34" charset="0"/>
-              <a:cs typeface="Times New Roman" panose="02020603050405020304" pitchFamily="18" charset="0"/>
-            </a:endParaRPr>
+            <a:r>
+              <a:rPr lang="en-US" sz="2000">
+                <a:solidFill>
+                  <a:srgbClr val="000000"/>
+                </a:solidFill>
+                <a:effectLst/>
+                <a:latin typeface="Calibri" panose="020F0502020204030204" pitchFamily="34" charset="0"/>
+                <a:ea typeface="Calibri" panose="020F0502020204030204" pitchFamily="34" charset="0"/>
+                <a:cs typeface="Calibri" panose="020F0502020204030204" pitchFamily="34" charset="0"/>
+              </a:rPr>
+              <a:t>The dataset provides relevant details about each individual.</a:t>
+            </a:r>
           </a:p>
           <a:p>
             <a:pPr indent="-228600">
@@ -8051,8 +8057,8 @@
         </p:nvSpPr>
         <p:spPr>
           <a:xfrm>
-            <a:off x="971368" y="2711395"/>
-            <a:ext cx="4114801" cy="3465568"/>
+            <a:off x="179881" y="3003768"/>
+            <a:ext cx="5366479" cy="3465568"/>
           </a:xfrm>
           <a:prstGeom prst="rect">
             <a:avLst/>
@@ -8087,14 +8093,22 @@
               </a:spcAft>
             </a:pPr>
             <a:r>
+              <a:rPr lang="en-US" b="0" i="0" dirty="0">
+                <a:solidFill>
+                  <a:schemeClr val="tx1"/>
+                </a:solidFill>
+                <a:effectLst/>
+              </a:rPr>
+              <a:t>Many stroke risk indicators are manageable, making the prognosis for stroke victims hopeful for reducing the likelihood of suffering by taking the needed actions and receiving treatment earlier. This project explores the problem of predicting stroke risk indicators severity in an individual by examining possible stroke indicators through data &amp; analytics, and machine learning. We intend to assist medical providers in providing a prognosis for the level of recovery a patient can expect. This project uses machine learning to create a model capable of predicting Stroke results based on a dataset containing individual data points</a:t>
+            </a:r>
+            <a:r>
               <a:rPr lang="en-US" sz="1600" b="0" i="0" dirty="0">
                 <a:solidFill>
                   <a:schemeClr val="tx1"/>
                 </a:solidFill>
                 <a:effectLst/>
-                <a:latin typeface="-apple-system"/>
               </a:rPr>
-              <a:t>Many stroke risk indicators are manageable, making the prognosis for stroke victims hopeful for reducing the likelihood of suffering by taking the needed actions and receiving treatment earlier. This project explores the problem of predicting stroke risk indicators severity in an individual by examining possible stroke indicators through data &amp; analytics, and machine learning. We intend to assist medical providers in providing a prognosis for the level of recovery a patient can expect. This project uses machine learning to create a model capable of predicting Stroke results based on a dataset containing individual data points.</a:t>
+              <a:t>.</a:t>
             </a:r>
             <a:endParaRPr lang="en-US" sz="1600" dirty="0">
               <a:solidFill>
@@ -10756,75 +10770,82 @@
           <a:lstStyle/>
           <a:p>
             <a:r>
-              <a:rPr lang="en-US" sz="1600" b="1" dirty="0"/>
+              <a:rPr lang="en-US" sz="1600" b="1"/>
               <a:t>Inputs in Datasets</a:t>
             </a:r>
             <a:br>
-              <a:rPr lang="en-US" sz="1600" dirty="0"/>
+              <a:rPr lang="en-US" sz="1600"/>
             </a:br>
             <a:br>
-              <a:rPr lang="en-US" sz="1600" dirty="0"/>
+              <a:rPr lang="en-US" sz="1600"/>
             </a:br>
             <a:r>
-              <a:rPr lang="en-US" sz="1600" dirty="0"/>
+              <a:rPr lang="en-US" sz="1600"/>
               <a:t>Gender</a:t>
             </a:r>
             <a:br>
-              <a:rPr lang="en-US" sz="1600" dirty="0"/>
+              <a:rPr lang="en-US" sz="1600"/>
             </a:br>
             <a:r>
-              <a:rPr lang="en-US" sz="1600" dirty="0"/>
+              <a:rPr lang="en-US" sz="1600"/>
               <a:t>Severity level</a:t>
             </a:r>
             <a:br>
-              <a:rPr lang="en-US" sz="1600" dirty="0"/>
+              <a:rPr lang="en-US" sz="1600"/>
             </a:br>
             <a:r>
-              <a:rPr lang="en-US" sz="1600" dirty="0"/>
+              <a:rPr lang="en-US" sz="1600"/>
               <a:t>systolic</a:t>
             </a:r>
             <a:br>
-              <a:rPr lang="en-US" sz="1600" dirty="0"/>
+              <a:rPr lang="en-US" sz="1600"/>
             </a:br>
             <a:r>
-              <a:rPr lang="en-US" sz="1600" dirty="0"/>
+              <a:rPr lang="en-US" sz="1600"/>
               <a:t>diastolic</a:t>
             </a:r>
             <a:br>
-              <a:rPr lang="en-US" sz="1600" dirty="0"/>
+              <a:rPr lang="en-US" sz="1600"/>
             </a:br>
             <a:r>
-              <a:rPr lang="en-US" sz="1600" dirty="0"/>
+              <a:rPr lang="en-US" sz="1600"/>
               <a:t>glucose</a:t>
             </a:r>
             <a:br>
-              <a:rPr lang="en-US" sz="1600" dirty="0"/>
+              <a:rPr lang="en-US" sz="1600"/>
             </a:br>
             <a:r>
-              <a:rPr lang="en-US" sz="1600" dirty="0"/>
+              <a:rPr lang="en-US" sz="1600"/>
+              <a:t>paralysis</a:t>
+            </a:r>
+            <a:br>
+              <a:rPr lang="en-US" sz="1600"/>
+            </a:br>
+            <a:r>
+              <a:rPr lang="en-US" sz="1600"/>
               <a:t>smoking</a:t>
             </a:r>
             <a:br>
-              <a:rPr lang="en-US" sz="1600" dirty="0"/>
+              <a:rPr lang="en-US" sz="1600"/>
             </a:br>
             <a:r>
-              <a:rPr lang="en-US" sz="1600" dirty="0"/>
+              <a:rPr lang="en-US" sz="1600"/>
               <a:t>BMI</a:t>
             </a:r>
             <a:br>
-              <a:rPr lang="en-US" sz="1600" dirty="0"/>
+              <a:rPr lang="en-US" sz="1600"/>
             </a:br>
             <a:r>
-              <a:rPr lang="en-US" sz="1600" dirty="0"/>
+              <a:rPr lang="en-US" sz="1600"/>
               <a:t>cholesterol</a:t>
             </a:r>
             <a:br>
-              <a:rPr lang="en-US" sz="1600" dirty="0"/>
+              <a:rPr lang="en-US" sz="1600"/>
             </a:br>
             <a:br>
-              <a:rPr lang="en-US" sz="1600" dirty="0"/>
+              <a:rPr lang="en-US" sz="1600"/>
             </a:br>
-            <a:endParaRPr lang="en-US" sz="1600" dirty="0"/>
+            <a:endParaRPr lang="en-US" sz="1600"/>
           </a:p>
         </p:txBody>
       </p:sp>

--- a/Stroke_Anaylsis_Presentation(final) (1).pptx
+++ b/Stroke_Anaylsis_Presentation(final) (1).pptx
@@ -9,8 +9,8 @@
     <p:sldId id="281" r:id="rId3"/>
     <p:sldId id="285" r:id="rId4"/>
     <p:sldId id="287" r:id="rId5"/>
-    <p:sldId id="284" r:id="rId6"/>
-    <p:sldId id="288" r:id="rId7"/>
+    <p:sldId id="288" r:id="rId6"/>
+    <p:sldId id="284" r:id="rId7"/>
     <p:sldId id="289" r:id="rId8"/>
     <p:sldId id="292" r:id="rId9"/>
     <p:sldId id="293" r:id="rId10"/>
@@ -148,7 +148,7 @@
   <pc:docChgLst>
     <pc:chgData name="Paul Serna" userId="ebf308b099793f17" providerId="LiveId" clId="{8B39D111-DF5E-47AA-AE6B-FA8520D83B01}"/>
     <pc:docChg chg="undo custSel addSld delSld modSld sldOrd">
-      <pc:chgData name="Paul Serna" userId="ebf308b099793f17" providerId="LiveId" clId="{8B39D111-DF5E-47AA-AE6B-FA8520D83B01}" dt="2022-12-08T00:30:19.638" v="570" actId="27636"/>
+      <pc:chgData name="Paul Serna" userId="ebf308b099793f17" providerId="LiveId" clId="{8B39D111-DF5E-47AA-AE6B-FA8520D83B01}" dt="2022-12-08T00:35:12.598" v="572"/>
       <pc:docMkLst>
         <pc:docMk/>
       </pc:docMkLst>
@@ -627,8 +627,8 @@
           </ac:picMkLst>
         </pc:picChg>
       </pc:sldChg>
-      <pc:sldChg chg="addSp modSp new mod setBg">
-        <pc:chgData name="Paul Serna" userId="ebf308b099793f17" providerId="LiveId" clId="{8B39D111-DF5E-47AA-AE6B-FA8520D83B01}" dt="2022-12-07T01:10:01.277" v="366" actId="12"/>
+      <pc:sldChg chg="addSp modSp new mod ord setBg">
+        <pc:chgData name="Paul Serna" userId="ebf308b099793f17" providerId="LiveId" clId="{8B39D111-DF5E-47AA-AE6B-FA8520D83B01}" dt="2022-12-08T00:35:12.598" v="572"/>
         <pc:sldMkLst>
           <pc:docMk/>
           <pc:sldMk cId="1008016932" sldId="288"/>
@@ -9444,392 +9444,6 @@
           <a:chExt cx="0" cy="0"/>
         </a:xfrm>
       </p:grpSpPr>
-      <p:sp>
-        <p:nvSpPr>
-          <p:cNvPr id="47" name="Rectangle 46">
-            <a:extLst>
-              <a:ext uri="{FF2B5EF4-FFF2-40B4-BE49-F238E27FC236}">
-                <a16:creationId xmlns:a16="http://schemas.microsoft.com/office/drawing/2014/main" id="{B4D3D850-2041-4B7C-AED9-54DA385B14F7}"/>
-              </a:ext>
-              <a:ext uri="{C183D7F6-B498-43B3-948B-1728B52AA6E4}">
-                <adec:decorative xmlns:adec="http://schemas.microsoft.com/office/drawing/2017/decorative" val="1"/>
-              </a:ext>
-            </a:extLst>
-          </p:cNvPr>
-          <p:cNvSpPr>
-            <a:spLocks noGrp="1" noRot="1" noChangeAspect="1" noMove="1" noResize="1" noEditPoints="1" noAdjustHandles="1" noChangeArrowheads="1" noChangeShapeType="1" noTextEdit="1"/>
-          </p:cNvSpPr>
-          <p:nvPr>
-            <p:extLst>
-              <p:ext uri="{386F3935-93C4-4BCD-93E2-E3B085C9AB24}">
-                <p16:designElem xmlns:p16="http://schemas.microsoft.com/office/powerpoint/2015/main" val="1"/>
-              </p:ext>
-            </p:extLst>
-          </p:nvPr>
-        </p:nvSpPr>
-        <p:spPr>
-          <a:xfrm>
-            <a:off x="0" y="0"/>
-            <a:ext cx="12192000" cy="6858000"/>
-          </a:xfrm>
-          <a:prstGeom prst="rect">
-            <a:avLst/>
-          </a:prstGeom>
-          <a:solidFill>
-            <a:schemeClr val="bg2"/>
-          </a:solidFill>
-          <a:ln>
-            <a:noFill/>
-          </a:ln>
-        </p:spPr>
-        <p:style>
-          <a:lnRef idx="2">
-            <a:schemeClr val="accent1">
-              <a:shade val="50000"/>
-            </a:schemeClr>
-          </a:lnRef>
-          <a:fillRef idx="1">
-            <a:schemeClr val="accent1"/>
-          </a:fillRef>
-          <a:effectRef idx="0">
-            <a:schemeClr val="accent1"/>
-          </a:effectRef>
-          <a:fontRef idx="minor">
-            <a:schemeClr val="lt1"/>
-          </a:fontRef>
-        </p:style>
-        <p:txBody>
-          <a:bodyPr rtlCol="0" anchor="ctr"/>
-          <a:lstStyle/>
-          <a:p>
-            <a:pPr algn="ctr"/>
-            <a:endParaRPr lang="en-US" dirty="0"/>
-          </a:p>
-        </p:txBody>
-      </p:sp>
-      <p:pic>
-        <p:nvPicPr>
-          <p:cNvPr id="5" name="Picture 2" descr="World Stroke Day: Warning signs of stroke everyone should know | Health -  Hindustan Times">
-            <a:extLst>
-              <a:ext uri="{FF2B5EF4-FFF2-40B4-BE49-F238E27FC236}">
-                <a16:creationId xmlns:a16="http://schemas.microsoft.com/office/drawing/2014/main" id="{D7B0A4E9-5D34-1B2C-758E-05534C62C045}"/>
-              </a:ext>
-            </a:extLst>
-          </p:cNvPr>
-          <p:cNvPicPr>
-            <a:picLocks noChangeAspect="1" noChangeArrowheads="1"/>
-          </p:cNvPicPr>
-          <p:nvPr/>
-        </p:nvPicPr>
-        <p:blipFill rotWithShape="1">
-          <a:blip r:embed="rId2">
-            <a:extLst>
-              <a:ext uri="{28A0092B-C50C-407E-A947-70E740481C1C}">
-                <a14:useLocalDpi xmlns:a14="http://schemas.microsoft.com/office/drawing/2010/main" val="0"/>
-              </a:ext>
-            </a:extLst>
-          </a:blip>
-          <a:srcRect l="47020" r="2980"/>
-          <a:stretch/>
-        </p:blipFill>
-        <p:spPr bwMode="auto">
-          <a:xfrm>
-            <a:off x="20" y="10"/>
-            <a:ext cx="6095980" cy="6857990"/>
-          </a:xfrm>
-          <a:prstGeom prst="rect">
-            <a:avLst/>
-          </a:prstGeom>
-          <a:noFill/>
-          <a:extLst>
-            <a:ext uri="{909E8E84-426E-40DD-AFC4-6F175D3DCCD1}">
-              <a14:hiddenFill xmlns:a14="http://schemas.microsoft.com/office/drawing/2010/main">
-                <a:solidFill>
-                  <a:srgbClr val="FFFFFF"/>
-                </a:solidFill>
-              </a14:hiddenFill>
-            </a:ext>
-          </a:extLst>
-        </p:spPr>
-      </p:pic>
-      <p:pic>
-        <p:nvPicPr>
-          <p:cNvPr id="4" name="Picture 3" descr="Chart, scatter chart&#10;&#10;Description automatically generated">
-            <a:extLst>
-              <a:ext uri="{FF2B5EF4-FFF2-40B4-BE49-F238E27FC236}">
-                <a16:creationId xmlns:a16="http://schemas.microsoft.com/office/drawing/2014/main" id="{7D5428A4-A1A7-284E-7E74-C479CFD2BA71}"/>
-              </a:ext>
-            </a:extLst>
-          </p:cNvPr>
-          <p:cNvPicPr>
-            <a:picLocks noChangeAspect="1"/>
-          </p:cNvPicPr>
-          <p:nvPr/>
-        </p:nvPicPr>
-        <p:blipFill rotWithShape="1">
-          <a:blip r:embed="rId3"/>
-          <a:srcRect l="23576" r="9758"/>
-          <a:stretch/>
-        </p:blipFill>
-        <p:spPr>
-          <a:xfrm>
-            <a:off x="6096000" y="10"/>
-            <a:ext cx="6096000" cy="6857990"/>
-          </a:xfrm>
-          <a:prstGeom prst="rect">
-            <a:avLst/>
-          </a:prstGeom>
-        </p:spPr>
-      </p:pic>
-      <p:sp>
-        <p:nvSpPr>
-          <p:cNvPr id="49" name="Rectangle 48">
-            <a:extLst>
-              <a:ext uri="{FF2B5EF4-FFF2-40B4-BE49-F238E27FC236}">
-                <a16:creationId xmlns:a16="http://schemas.microsoft.com/office/drawing/2014/main" id="{B497CCB5-5FC2-473C-AFCC-2430CEF1DF71}"/>
-              </a:ext>
-              <a:ext uri="{C183D7F6-B498-43B3-948B-1728B52AA6E4}">
-                <adec:decorative xmlns:adec="http://schemas.microsoft.com/office/drawing/2017/decorative" val="1"/>
-              </a:ext>
-            </a:extLst>
-          </p:cNvPr>
-          <p:cNvSpPr>
-            <a:spLocks noGrp="1" noRot="1" noChangeAspect="1" noMove="1" noResize="1" noEditPoints="1" noAdjustHandles="1" noChangeArrowheads="1" noChangeShapeType="1" noTextEdit="1"/>
-          </p:cNvSpPr>
-          <p:nvPr>
-            <p:extLst>
-              <p:ext uri="{386F3935-93C4-4BCD-93E2-E3B085C9AB24}">
-                <p16:designElem xmlns:p16="http://schemas.microsoft.com/office/powerpoint/2015/main" val="1"/>
-              </p:ext>
-            </p:extLst>
-          </p:nvPr>
-        </p:nvSpPr>
-        <p:spPr>
-          <a:xfrm rot="2700000">
-            <a:off x="4409915" y="1742916"/>
-            <a:ext cx="3372170" cy="3372168"/>
-          </a:xfrm>
-          <a:prstGeom prst="rect">
-            <a:avLst/>
-          </a:prstGeom>
-          <a:solidFill>
-            <a:srgbClr val="FFFFFF"/>
-          </a:solidFill>
-          <a:ln>
-            <a:noFill/>
-          </a:ln>
-        </p:spPr>
-        <p:style>
-          <a:lnRef idx="2">
-            <a:schemeClr val="accent1">
-              <a:shade val="50000"/>
-            </a:schemeClr>
-          </a:lnRef>
-          <a:fillRef idx="1">
-            <a:schemeClr val="accent1"/>
-          </a:fillRef>
-          <a:effectRef idx="0">
-            <a:schemeClr val="accent1"/>
-          </a:effectRef>
-          <a:fontRef idx="minor">
-            <a:schemeClr val="lt1"/>
-          </a:fontRef>
-        </p:style>
-        <p:txBody>
-          <a:bodyPr rtlCol="0" anchor="ctr"/>
-          <a:lstStyle/>
-          <a:p>
-            <a:pPr algn="ctr"/>
-            <a:endParaRPr lang="en-US"/>
-          </a:p>
-        </p:txBody>
-      </p:sp>
-      <p:sp>
-        <p:nvSpPr>
-          <p:cNvPr id="51" name="Frame 50">
-            <a:extLst>
-              <a:ext uri="{FF2B5EF4-FFF2-40B4-BE49-F238E27FC236}">
-                <a16:creationId xmlns:a16="http://schemas.microsoft.com/office/drawing/2014/main" id="{599C8C75-BFDF-44E7-A028-EEB5EDD58817}"/>
-              </a:ext>
-              <a:ext uri="{C183D7F6-B498-43B3-948B-1728B52AA6E4}">
-                <adec:decorative xmlns:adec="http://schemas.microsoft.com/office/drawing/2017/decorative" val="1"/>
-              </a:ext>
-            </a:extLst>
-          </p:cNvPr>
-          <p:cNvSpPr>
-            <a:spLocks noGrp="1" noRot="1" noChangeAspect="1" noMove="1" noResize="1" noEditPoints="1" noAdjustHandles="1" noChangeArrowheads="1" noChangeShapeType="1" noTextEdit="1"/>
-          </p:cNvSpPr>
-          <p:nvPr>
-            <p:extLst>
-              <p:ext uri="{386F3935-93C4-4BCD-93E2-E3B085C9AB24}">
-                <p16:designElem xmlns:p16="http://schemas.microsoft.com/office/powerpoint/2015/main" val="1"/>
-              </p:ext>
-            </p:extLst>
-          </p:nvPr>
-        </p:nvSpPr>
-        <p:spPr>
-          <a:xfrm rot="2700000">
-            <a:off x="3971277" y="1304278"/>
-            <a:ext cx="4249446" cy="4249444"/>
-          </a:xfrm>
-          <a:prstGeom prst="frame">
-            <a:avLst>
-              <a:gd name="adj1" fmla="val 1195"/>
-            </a:avLst>
-          </a:prstGeom>
-          <a:solidFill>
-            <a:srgbClr val="FFFFFF">
-              <a:alpha val="60000"/>
-            </a:srgbClr>
-          </a:solidFill>
-          <a:ln>
-            <a:noFill/>
-          </a:ln>
-        </p:spPr>
-        <p:style>
-          <a:lnRef idx="2">
-            <a:schemeClr val="accent1">
-              <a:shade val="50000"/>
-            </a:schemeClr>
-          </a:lnRef>
-          <a:fillRef idx="1">
-            <a:schemeClr val="accent1"/>
-          </a:fillRef>
-          <a:effectRef idx="0">
-            <a:schemeClr val="accent1"/>
-          </a:effectRef>
-          <a:fontRef idx="minor">
-            <a:schemeClr val="lt1"/>
-          </a:fontRef>
-        </p:style>
-        <p:txBody>
-          <a:bodyPr rtlCol="0" anchor="ctr"/>
-          <a:lstStyle/>
-          <a:p>
-            <a:pPr algn="ctr"/>
-            <a:endParaRPr lang="en-US">
-              <a:solidFill>
-                <a:schemeClr val="tx1"/>
-              </a:solidFill>
-            </a:endParaRPr>
-          </a:p>
-        </p:txBody>
-      </p:sp>
-      <p:sp>
-        <p:nvSpPr>
-          <p:cNvPr id="3" name="Title 2">
-            <a:extLst>
-              <a:ext uri="{FF2B5EF4-FFF2-40B4-BE49-F238E27FC236}">
-                <a16:creationId xmlns:a16="http://schemas.microsoft.com/office/drawing/2014/main" id="{A0AD3EDA-B322-6232-00CA-8F2A04186F4C}"/>
-              </a:ext>
-            </a:extLst>
-          </p:cNvPr>
-          <p:cNvSpPr>
-            <a:spLocks noGrp="1"/>
-          </p:cNvSpPr>
-          <p:nvPr>
-            <p:ph type="title"/>
-          </p:nvPr>
-        </p:nvSpPr>
-        <p:spPr>
-          <a:xfrm>
-            <a:off x="4286858" y="1576873"/>
-            <a:ext cx="6009624" cy="3657599"/>
-          </a:xfrm>
-          <a:noFill/>
-        </p:spPr>
-        <p:txBody>
-          <a:bodyPr vert="horz" lIns="91440" tIns="45720" rIns="91440" bIns="45720" rtlCol="0" anchor="ctr">
-            <a:normAutofit/>
-          </a:bodyPr>
-          <a:lstStyle/>
-          <a:p>
-            <a:r>
-              <a:rPr lang="en-US" sz="2800" b="1" i="0" dirty="0">
-                <a:effectLst/>
-                <a:latin typeface="+mn-lt"/>
-              </a:rPr>
-              <a:t>Classification Models Used: </a:t>
-            </a:r>
-            <a:br>
-              <a:rPr lang="en-US" sz="2000" b="0" i="0" dirty="0">
-                <a:effectLst/>
-                <a:latin typeface="+mn-lt"/>
-              </a:rPr>
-            </a:br>
-            <a:br>
-              <a:rPr lang="en-US" sz="2000" b="0" i="0" dirty="0">
-                <a:effectLst/>
-                <a:latin typeface="+mn-lt"/>
-              </a:rPr>
-            </a:br>
-            <a:r>
-              <a:rPr lang="en-US" sz="2000" b="0" i="0" dirty="0">
-                <a:effectLst/>
-                <a:latin typeface="+mn-lt"/>
-              </a:rPr>
-              <a:t>Machine learning modeling to predict stroke severity risk indicators in patients using the </a:t>
-            </a:r>
-            <a:r>
-              <a:rPr lang="en-US" sz="2000" b="1" i="0" dirty="0">
-                <a:effectLst/>
-                <a:latin typeface="+mn-lt"/>
-              </a:rPr>
-              <a:t>Random Forest</a:t>
-            </a:r>
-            <a:r>
-              <a:rPr lang="en-US" sz="2000" b="0" i="0" dirty="0">
-                <a:effectLst/>
-                <a:latin typeface="+mn-lt"/>
-              </a:rPr>
-              <a:t> classification algorithm. This algorithm works based on existing features and similarities between these features to classify targets.</a:t>
-            </a:r>
-            <a:endParaRPr lang="en-US" sz="2000" kern="1200" dirty="0">
-              <a:latin typeface="+mn-lt"/>
-              <a:ea typeface="+mj-ea"/>
-              <a:cs typeface="+mj-cs"/>
-            </a:endParaRPr>
-          </a:p>
-        </p:txBody>
-      </p:sp>
-    </p:spTree>
-    <p:extLst>
-      <p:ext uri="{BB962C8B-B14F-4D97-AF65-F5344CB8AC3E}">
-        <p14:creationId xmlns:p14="http://schemas.microsoft.com/office/powerpoint/2010/main" val="3172748136"/>
-      </p:ext>
-    </p:extLst>
-  </p:cSld>
-  <p:clrMapOvr>
-    <a:masterClrMapping/>
-  </p:clrMapOvr>
-</p:sld>
-</file>
-
-<file path=ppt/slides/slide6.xml><?xml version="1.0" encoding="utf-8"?>
-<p:sld xmlns:a="http://schemas.openxmlformats.org/drawingml/2006/main" xmlns:r="http://schemas.openxmlformats.org/officeDocument/2006/relationships" xmlns:p="http://schemas.openxmlformats.org/presentationml/2006/main">
-  <p:cSld>
-    <p:bg>
-      <p:bgPr>
-        <a:solidFill>
-          <a:schemeClr val="bg1"/>
-        </a:solidFill>
-        <a:effectLst/>
-      </p:bgPr>
-    </p:bg>
-    <p:spTree>
-      <p:nvGrpSpPr>
-        <p:cNvPr id="1" name=""/>
-        <p:cNvGrpSpPr/>
-        <p:nvPr/>
-      </p:nvGrpSpPr>
-      <p:grpSpPr>
-        <a:xfrm>
-          <a:off x="0" y="0"/>
-          <a:ext cx="0" cy="0"/>
-          <a:chOff x="0" y="0"/>
-          <a:chExt cx="0" cy="0"/>
-        </a:xfrm>
-      </p:grpSpPr>
       <p:sp useBgFill="1">
         <p:nvSpPr>
           <p:cNvPr id="8" name="Rectangle 7">
@@ -10516,6 +10130,392 @@
     <p:extLst>
       <p:ext uri="{BB962C8B-B14F-4D97-AF65-F5344CB8AC3E}">
         <p14:creationId xmlns:p14="http://schemas.microsoft.com/office/powerpoint/2010/main" val="1008016932"/>
+      </p:ext>
+    </p:extLst>
+  </p:cSld>
+  <p:clrMapOvr>
+    <a:masterClrMapping/>
+  </p:clrMapOvr>
+</p:sld>
+</file>
+
+<file path=ppt/slides/slide6.xml><?xml version="1.0" encoding="utf-8"?>
+<p:sld xmlns:a="http://schemas.openxmlformats.org/drawingml/2006/main" xmlns:r="http://schemas.openxmlformats.org/officeDocument/2006/relationships" xmlns:p="http://schemas.openxmlformats.org/presentationml/2006/main">
+  <p:cSld>
+    <p:bg>
+      <p:bgPr>
+        <a:solidFill>
+          <a:schemeClr val="bg1"/>
+        </a:solidFill>
+        <a:effectLst/>
+      </p:bgPr>
+    </p:bg>
+    <p:spTree>
+      <p:nvGrpSpPr>
+        <p:cNvPr id="1" name=""/>
+        <p:cNvGrpSpPr/>
+        <p:nvPr/>
+      </p:nvGrpSpPr>
+      <p:grpSpPr>
+        <a:xfrm>
+          <a:off x="0" y="0"/>
+          <a:ext cx="0" cy="0"/>
+          <a:chOff x="0" y="0"/>
+          <a:chExt cx="0" cy="0"/>
+        </a:xfrm>
+      </p:grpSpPr>
+      <p:sp>
+        <p:nvSpPr>
+          <p:cNvPr id="47" name="Rectangle 46">
+            <a:extLst>
+              <a:ext uri="{FF2B5EF4-FFF2-40B4-BE49-F238E27FC236}">
+                <a16:creationId xmlns:a16="http://schemas.microsoft.com/office/drawing/2014/main" id="{B4D3D850-2041-4B7C-AED9-54DA385B14F7}"/>
+              </a:ext>
+              <a:ext uri="{C183D7F6-B498-43B3-948B-1728B52AA6E4}">
+                <adec:decorative xmlns:adec="http://schemas.microsoft.com/office/drawing/2017/decorative" val="1"/>
+              </a:ext>
+            </a:extLst>
+          </p:cNvPr>
+          <p:cNvSpPr>
+            <a:spLocks noGrp="1" noRot="1" noChangeAspect="1" noMove="1" noResize="1" noEditPoints="1" noAdjustHandles="1" noChangeArrowheads="1" noChangeShapeType="1" noTextEdit="1"/>
+          </p:cNvSpPr>
+          <p:nvPr>
+            <p:extLst>
+              <p:ext uri="{386F3935-93C4-4BCD-93E2-E3B085C9AB24}">
+                <p16:designElem xmlns:p16="http://schemas.microsoft.com/office/powerpoint/2015/main" val="1"/>
+              </p:ext>
+            </p:extLst>
+          </p:nvPr>
+        </p:nvSpPr>
+        <p:spPr>
+          <a:xfrm>
+            <a:off x="0" y="0"/>
+            <a:ext cx="12192000" cy="6858000"/>
+          </a:xfrm>
+          <a:prstGeom prst="rect">
+            <a:avLst/>
+          </a:prstGeom>
+          <a:solidFill>
+            <a:schemeClr val="bg2"/>
+          </a:solidFill>
+          <a:ln>
+            <a:noFill/>
+          </a:ln>
+        </p:spPr>
+        <p:style>
+          <a:lnRef idx="2">
+            <a:schemeClr val="accent1">
+              <a:shade val="50000"/>
+            </a:schemeClr>
+          </a:lnRef>
+          <a:fillRef idx="1">
+            <a:schemeClr val="accent1"/>
+          </a:fillRef>
+          <a:effectRef idx="0">
+            <a:schemeClr val="accent1"/>
+          </a:effectRef>
+          <a:fontRef idx="minor">
+            <a:schemeClr val="lt1"/>
+          </a:fontRef>
+        </p:style>
+        <p:txBody>
+          <a:bodyPr rtlCol="0" anchor="ctr"/>
+          <a:lstStyle/>
+          <a:p>
+            <a:pPr algn="ctr"/>
+            <a:endParaRPr lang="en-US" dirty="0"/>
+          </a:p>
+        </p:txBody>
+      </p:sp>
+      <p:pic>
+        <p:nvPicPr>
+          <p:cNvPr id="5" name="Picture 2" descr="World Stroke Day: Warning signs of stroke everyone should know | Health -  Hindustan Times">
+            <a:extLst>
+              <a:ext uri="{FF2B5EF4-FFF2-40B4-BE49-F238E27FC236}">
+                <a16:creationId xmlns:a16="http://schemas.microsoft.com/office/drawing/2014/main" id="{D7B0A4E9-5D34-1B2C-758E-05534C62C045}"/>
+              </a:ext>
+            </a:extLst>
+          </p:cNvPr>
+          <p:cNvPicPr>
+            <a:picLocks noChangeAspect="1" noChangeArrowheads="1"/>
+          </p:cNvPicPr>
+          <p:nvPr/>
+        </p:nvPicPr>
+        <p:blipFill rotWithShape="1">
+          <a:blip r:embed="rId2">
+            <a:extLst>
+              <a:ext uri="{28A0092B-C50C-407E-A947-70E740481C1C}">
+                <a14:useLocalDpi xmlns:a14="http://schemas.microsoft.com/office/drawing/2010/main" val="0"/>
+              </a:ext>
+            </a:extLst>
+          </a:blip>
+          <a:srcRect l="47020" r="2980"/>
+          <a:stretch/>
+        </p:blipFill>
+        <p:spPr bwMode="auto">
+          <a:xfrm>
+            <a:off x="20" y="10"/>
+            <a:ext cx="6095980" cy="6857990"/>
+          </a:xfrm>
+          <a:prstGeom prst="rect">
+            <a:avLst/>
+          </a:prstGeom>
+          <a:noFill/>
+          <a:extLst>
+            <a:ext uri="{909E8E84-426E-40DD-AFC4-6F175D3DCCD1}">
+              <a14:hiddenFill xmlns:a14="http://schemas.microsoft.com/office/drawing/2010/main">
+                <a:solidFill>
+                  <a:srgbClr val="FFFFFF"/>
+                </a:solidFill>
+              </a14:hiddenFill>
+            </a:ext>
+          </a:extLst>
+        </p:spPr>
+      </p:pic>
+      <p:pic>
+        <p:nvPicPr>
+          <p:cNvPr id="4" name="Picture 3" descr="Chart, scatter chart&#10;&#10;Description automatically generated">
+            <a:extLst>
+              <a:ext uri="{FF2B5EF4-FFF2-40B4-BE49-F238E27FC236}">
+                <a16:creationId xmlns:a16="http://schemas.microsoft.com/office/drawing/2014/main" id="{7D5428A4-A1A7-284E-7E74-C479CFD2BA71}"/>
+              </a:ext>
+            </a:extLst>
+          </p:cNvPr>
+          <p:cNvPicPr>
+            <a:picLocks noChangeAspect="1"/>
+          </p:cNvPicPr>
+          <p:nvPr/>
+        </p:nvPicPr>
+        <p:blipFill rotWithShape="1">
+          <a:blip r:embed="rId3"/>
+          <a:srcRect l="23576" r="9758"/>
+          <a:stretch/>
+        </p:blipFill>
+        <p:spPr>
+          <a:xfrm>
+            <a:off x="6096000" y="10"/>
+            <a:ext cx="6096000" cy="6857990"/>
+          </a:xfrm>
+          <a:prstGeom prst="rect">
+            <a:avLst/>
+          </a:prstGeom>
+        </p:spPr>
+      </p:pic>
+      <p:sp>
+        <p:nvSpPr>
+          <p:cNvPr id="49" name="Rectangle 48">
+            <a:extLst>
+              <a:ext uri="{FF2B5EF4-FFF2-40B4-BE49-F238E27FC236}">
+                <a16:creationId xmlns:a16="http://schemas.microsoft.com/office/drawing/2014/main" id="{B497CCB5-5FC2-473C-AFCC-2430CEF1DF71}"/>
+              </a:ext>
+              <a:ext uri="{C183D7F6-B498-43B3-948B-1728B52AA6E4}">
+                <adec:decorative xmlns:adec="http://schemas.microsoft.com/office/drawing/2017/decorative" val="1"/>
+              </a:ext>
+            </a:extLst>
+          </p:cNvPr>
+          <p:cNvSpPr>
+            <a:spLocks noGrp="1" noRot="1" noChangeAspect="1" noMove="1" noResize="1" noEditPoints="1" noAdjustHandles="1" noChangeArrowheads="1" noChangeShapeType="1" noTextEdit="1"/>
+          </p:cNvSpPr>
+          <p:nvPr>
+            <p:extLst>
+              <p:ext uri="{386F3935-93C4-4BCD-93E2-E3B085C9AB24}">
+                <p16:designElem xmlns:p16="http://schemas.microsoft.com/office/powerpoint/2015/main" val="1"/>
+              </p:ext>
+            </p:extLst>
+          </p:nvPr>
+        </p:nvSpPr>
+        <p:spPr>
+          <a:xfrm rot="2700000">
+            <a:off x="4409915" y="1742916"/>
+            <a:ext cx="3372170" cy="3372168"/>
+          </a:xfrm>
+          <a:prstGeom prst="rect">
+            <a:avLst/>
+          </a:prstGeom>
+          <a:solidFill>
+            <a:srgbClr val="FFFFFF"/>
+          </a:solidFill>
+          <a:ln>
+            <a:noFill/>
+          </a:ln>
+        </p:spPr>
+        <p:style>
+          <a:lnRef idx="2">
+            <a:schemeClr val="accent1">
+              <a:shade val="50000"/>
+            </a:schemeClr>
+          </a:lnRef>
+          <a:fillRef idx="1">
+            <a:schemeClr val="accent1"/>
+          </a:fillRef>
+          <a:effectRef idx="0">
+            <a:schemeClr val="accent1"/>
+          </a:effectRef>
+          <a:fontRef idx="minor">
+            <a:schemeClr val="lt1"/>
+          </a:fontRef>
+        </p:style>
+        <p:txBody>
+          <a:bodyPr rtlCol="0" anchor="ctr"/>
+          <a:lstStyle/>
+          <a:p>
+            <a:pPr algn="ctr"/>
+            <a:endParaRPr lang="en-US"/>
+          </a:p>
+        </p:txBody>
+      </p:sp>
+      <p:sp>
+        <p:nvSpPr>
+          <p:cNvPr id="51" name="Frame 50">
+            <a:extLst>
+              <a:ext uri="{FF2B5EF4-FFF2-40B4-BE49-F238E27FC236}">
+                <a16:creationId xmlns:a16="http://schemas.microsoft.com/office/drawing/2014/main" id="{599C8C75-BFDF-44E7-A028-EEB5EDD58817}"/>
+              </a:ext>
+              <a:ext uri="{C183D7F6-B498-43B3-948B-1728B52AA6E4}">
+                <adec:decorative xmlns:adec="http://schemas.microsoft.com/office/drawing/2017/decorative" val="1"/>
+              </a:ext>
+            </a:extLst>
+          </p:cNvPr>
+          <p:cNvSpPr>
+            <a:spLocks noGrp="1" noRot="1" noChangeAspect="1" noMove="1" noResize="1" noEditPoints="1" noAdjustHandles="1" noChangeArrowheads="1" noChangeShapeType="1" noTextEdit="1"/>
+          </p:cNvSpPr>
+          <p:nvPr>
+            <p:extLst>
+              <p:ext uri="{386F3935-93C4-4BCD-93E2-E3B085C9AB24}">
+                <p16:designElem xmlns:p16="http://schemas.microsoft.com/office/powerpoint/2015/main" val="1"/>
+              </p:ext>
+            </p:extLst>
+          </p:nvPr>
+        </p:nvSpPr>
+        <p:spPr>
+          <a:xfrm rot="2700000">
+            <a:off x="3971277" y="1304278"/>
+            <a:ext cx="4249446" cy="4249444"/>
+          </a:xfrm>
+          <a:prstGeom prst="frame">
+            <a:avLst>
+              <a:gd name="adj1" fmla="val 1195"/>
+            </a:avLst>
+          </a:prstGeom>
+          <a:solidFill>
+            <a:srgbClr val="FFFFFF">
+              <a:alpha val="60000"/>
+            </a:srgbClr>
+          </a:solidFill>
+          <a:ln>
+            <a:noFill/>
+          </a:ln>
+        </p:spPr>
+        <p:style>
+          <a:lnRef idx="2">
+            <a:schemeClr val="accent1">
+              <a:shade val="50000"/>
+            </a:schemeClr>
+          </a:lnRef>
+          <a:fillRef idx="1">
+            <a:schemeClr val="accent1"/>
+          </a:fillRef>
+          <a:effectRef idx="0">
+            <a:schemeClr val="accent1"/>
+          </a:effectRef>
+          <a:fontRef idx="minor">
+            <a:schemeClr val="lt1"/>
+          </a:fontRef>
+        </p:style>
+        <p:txBody>
+          <a:bodyPr rtlCol="0" anchor="ctr"/>
+          <a:lstStyle/>
+          <a:p>
+            <a:pPr algn="ctr"/>
+            <a:endParaRPr lang="en-US">
+              <a:solidFill>
+                <a:schemeClr val="tx1"/>
+              </a:solidFill>
+            </a:endParaRPr>
+          </a:p>
+        </p:txBody>
+      </p:sp>
+      <p:sp>
+        <p:nvSpPr>
+          <p:cNvPr id="3" name="Title 2">
+            <a:extLst>
+              <a:ext uri="{FF2B5EF4-FFF2-40B4-BE49-F238E27FC236}">
+                <a16:creationId xmlns:a16="http://schemas.microsoft.com/office/drawing/2014/main" id="{A0AD3EDA-B322-6232-00CA-8F2A04186F4C}"/>
+              </a:ext>
+            </a:extLst>
+          </p:cNvPr>
+          <p:cNvSpPr>
+            <a:spLocks noGrp="1"/>
+          </p:cNvSpPr>
+          <p:nvPr>
+            <p:ph type="title"/>
+          </p:nvPr>
+        </p:nvSpPr>
+        <p:spPr>
+          <a:xfrm>
+            <a:off x="4286858" y="1576873"/>
+            <a:ext cx="6009624" cy="3657599"/>
+          </a:xfrm>
+          <a:noFill/>
+        </p:spPr>
+        <p:txBody>
+          <a:bodyPr vert="horz" lIns="91440" tIns="45720" rIns="91440" bIns="45720" rtlCol="0" anchor="ctr">
+            <a:normAutofit/>
+          </a:bodyPr>
+          <a:lstStyle/>
+          <a:p>
+            <a:r>
+              <a:rPr lang="en-US" sz="2800" b="1" i="0" dirty="0">
+                <a:effectLst/>
+                <a:latin typeface="+mn-lt"/>
+              </a:rPr>
+              <a:t>Classification Models Used: </a:t>
+            </a:r>
+            <a:br>
+              <a:rPr lang="en-US" sz="2000" b="0" i="0" dirty="0">
+                <a:effectLst/>
+                <a:latin typeface="+mn-lt"/>
+              </a:rPr>
+            </a:br>
+            <a:br>
+              <a:rPr lang="en-US" sz="2000" b="0" i="0" dirty="0">
+                <a:effectLst/>
+                <a:latin typeface="+mn-lt"/>
+              </a:rPr>
+            </a:br>
+            <a:r>
+              <a:rPr lang="en-US" sz="2000" b="0" i="0" dirty="0">
+                <a:effectLst/>
+                <a:latin typeface="+mn-lt"/>
+              </a:rPr>
+              <a:t>Machine learning modeling to predict stroke severity risk indicators in patients using the </a:t>
+            </a:r>
+            <a:r>
+              <a:rPr lang="en-US" sz="2000" b="1" i="0" dirty="0">
+                <a:effectLst/>
+                <a:latin typeface="+mn-lt"/>
+              </a:rPr>
+              <a:t>Random Forest</a:t>
+            </a:r>
+            <a:r>
+              <a:rPr lang="en-US" sz="2000" b="0" i="0" dirty="0">
+                <a:effectLst/>
+                <a:latin typeface="+mn-lt"/>
+              </a:rPr>
+              <a:t> classification algorithm. This algorithm works based on existing features and similarities between these features to classify targets.</a:t>
+            </a:r>
+            <a:endParaRPr lang="en-US" sz="2000" kern="1200" dirty="0">
+              <a:latin typeface="+mn-lt"/>
+              <a:ea typeface="+mj-ea"/>
+              <a:cs typeface="+mj-cs"/>
+            </a:endParaRPr>
+          </a:p>
+        </p:txBody>
+      </p:sp>
+    </p:spTree>
+    <p:extLst>
+      <p:ext uri="{BB962C8B-B14F-4D97-AF65-F5344CB8AC3E}">
+        <p14:creationId xmlns:p14="http://schemas.microsoft.com/office/powerpoint/2010/main" val="3172748136"/>
       </p:ext>
     </p:extLst>
   </p:cSld>

--- a/Stroke_Anaylsis_Presentation(final) (1).pptx
+++ b/Stroke_Anaylsis_Presentation(final) (1).pptx
@@ -1195,7 +1195,7 @@
           <a:p>
             <a:fld id="{147D3F62-ED92-5D47-894A-59552459CD11}" type="datetimeFigureOut">
               <a:rPr lang="en-US" smtClean="0"/>
-              <a:t>12/7/2022</a:t>
+              <a:t>12/7/22</a:t>
             </a:fld>
             <a:endParaRPr lang="en-US"/>
           </a:p>
@@ -1393,7 +1393,7 @@
           <a:p>
             <a:fld id="{147D3F62-ED92-5D47-894A-59552459CD11}" type="datetimeFigureOut">
               <a:rPr lang="en-US" smtClean="0"/>
-              <a:t>12/7/2022</a:t>
+              <a:t>12/7/22</a:t>
             </a:fld>
             <a:endParaRPr lang="en-US"/>
           </a:p>
@@ -1601,7 +1601,7 @@
           <a:p>
             <a:fld id="{147D3F62-ED92-5D47-894A-59552459CD11}" type="datetimeFigureOut">
               <a:rPr lang="en-US" smtClean="0"/>
-              <a:t>12/7/2022</a:t>
+              <a:t>12/7/22</a:t>
             </a:fld>
             <a:endParaRPr lang="en-US"/>
           </a:p>
@@ -1799,7 +1799,7 @@
           <a:p>
             <a:fld id="{147D3F62-ED92-5D47-894A-59552459CD11}" type="datetimeFigureOut">
               <a:rPr lang="en-US" smtClean="0"/>
-              <a:t>12/7/2022</a:t>
+              <a:t>12/7/22</a:t>
             </a:fld>
             <a:endParaRPr lang="en-US"/>
           </a:p>
@@ -2074,7 +2074,7 @@
           <a:p>
             <a:fld id="{147D3F62-ED92-5D47-894A-59552459CD11}" type="datetimeFigureOut">
               <a:rPr lang="en-US" smtClean="0"/>
-              <a:t>12/7/2022</a:t>
+              <a:t>12/7/22</a:t>
             </a:fld>
             <a:endParaRPr lang="en-US"/>
           </a:p>
@@ -2339,7 +2339,7 @@
           <a:p>
             <a:fld id="{147D3F62-ED92-5D47-894A-59552459CD11}" type="datetimeFigureOut">
               <a:rPr lang="en-US" smtClean="0"/>
-              <a:t>12/7/2022</a:t>
+              <a:t>12/7/22</a:t>
             </a:fld>
             <a:endParaRPr lang="en-US"/>
           </a:p>
@@ -2751,7 +2751,7 @@
           <a:p>
             <a:fld id="{147D3F62-ED92-5D47-894A-59552459CD11}" type="datetimeFigureOut">
               <a:rPr lang="en-US" smtClean="0"/>
-              <a:t>12/7/2022</a:t>
+              <a:t>12/7/22</a:t>
             </a:fld>
             <a:endParaRPr lang="en-US"/>
           </a:p>
@@ -2892,7 +2892,7 @@
           <a:p>
             <a:fld id="{147D3F62-ED92-5D47-894A-59552459CD11}" type="datetimeFigureOut">
               <a:rPr lang="en-US" smtClean="0"/>
-              <a:t>12/7/2022</a:t>
+              <a:t>12/7/22</a:t>
             </a:fld>
             <a:endParaRPr lang="en-US"/>
           </a:p>
@@ -3005,7 +3005,7 @@
           <a:p>
             <a:fld id="{147D3F62-ED92-5D47-894A-59552459CD11}" type="datetimeFigureOut">
               <a:rPr lang="en-US" smtClean="0"/>
-              <a:t>12/7/2022</a:t>
+              <a:t>12/7/22</a:t>
             </a:fld>
             <a:endParaRPr lang="en-US"/>
           </a:p>
@@ -3316,7 +3316,7 @@
           <a:p>
             <a:fld id="{147D3F62-ED92-5D47-894A-59552459CD11}" type="datetimeFigureOut">
               <a:rPr lang="en-US" smtClean="0"/>
-              <a:t>12/7/2022</a:t>
+              <a:t>12/7/22</a:t>
             </a:fld>
             <a:endParaRPr lang="en-US"/>
           </a:p>
@@ -3604,7 +3604,7 @@
           <a:p>
             <a:fld id="{147D3F62-ED92-5D47-894A-59552459CD11}" type="datetimeFigureOut">
               <a:rPr lang="en-US" smtClean="0"/>
-              <a:t>12/7/2022</a:t>
+              <a:t>12/7/22</a:t>
             </a:fld>
             <a:endParaRPr lang="en-US"/>
           </a:p>
@@ -3845,7 +3845,7 @@
           <a:p>
             <a:fld id="{147D3F62-ED92-5D47-894A-59552459CD11}" type="datetimeFigureOut">
               <a:rPr lang="en-US" smtClean="0"/>
-              <a:t>12/7/2022</a:t>
+              <a:t>12/7/22</a:t>
             </a:fld>
             <a:endParaRPr lang="en-US"/>
           </a:p>
@@ -10637,7 +10637,7 @@
         </p:blipFill>
         <p:spPr bwMode="auto">
           <a:xfrm>
-            <a:off x="20" y="10"/>
+            <a:off x="0" y="10"/>
             <a:ext cx="8668492" cy="6857990"/>
           </a:xfrm>
           <a:prstGeom prst="rect">
@@ -10770,82 +10770,75 @@
           <a:lstStyle/>
           <a:p>
             <a:r>
-              <a:rPr lang="en-US" sz="1600" b="1"/>
+              <a:rPr lang="en-US" sz="1600" b="1" dirty="0"/>
               <a:t>Inputs in Datasets</a:t>
             </a:r>
             <a:br>
-              <a:rPr lang="en-US" sz="1600"/>
+              <a:rPr lang="en-US" sz="1600" dirty="0"/>
             </a:br>
             <a:br>
-              <a:rPr lang="en-US" sz="1600"/>
+              <a:rPr lang="en-US" sz="1600" dirty="0"/>
             </a:br>
             <a:r>
-              <a:rPr lang="en-US" sz="1600"/>
+              <a:rPr lang="en-US" sz="1600" dirty="0"/>
               <a:t>Gender</a:t>
             </a:r>
             <a:br>
-              <a:rPr lang="en-US" sz="1600"/>
+              <a:rPr lang="en-US" sz="1600" dirty="0"/>
             </a:br>
             <a:r>
-              <a:rPr lang="en-US" sz="1600"/>
+              <a:rPr lang="en-US" sz="1600" dirty="0"/>
               <a:t>Severity level</a:t>
             </a:r>
             <a:br>
-              <a:rPr lang="en-US" sz="1600"/>
+              <a:rPr lang="en-US" sz="1600" dirty="0"/>
             </a:br>
             <a:r>
-              <a:rPr lang="en-US" sz="1600"/>
-              <a:t>systolic</a:t>
+              <a:rPr lang="en-US" sz="1600" dirty="0"/>
+              <a:t>Systolic &amp; Diastolic</a:t>
             </a:r>
             <a:br>
-              <a:rPr lang="en-US" sz="1600"/>
+              <a:rPr lang="en-US" sz="1600" dirty="0"/>
             </a:br>
             <a:r>
-              <a:rPr lang="en-US" sz="1600"/>
-              <a:t>diastolic</a:t>
+              <a:rPr lang="en-US" sz="1600" dirty="0"/>
+              <a:t>Glucose</a:t>
             </a:r>
             <a:br>
-              <a:rPr lang="en-US" sz="1600"/>
+              <a:rPr lang="en-US" sz="1600" dirty="0"/>
             </a:br>
             <a:r>
-              <a:rPr lang="en-US" sz="1600"/>
-              <a:t>glucose</a:t>
+              <a:rPr lang="en-US" sz="1600" dirty="0"/>
+              <a:t>Paralysis</a:t>
             </a:r>
             <a:br>
-              <a:rPr lang="en-US" sz="1600"/>
+              <a:rPr lang="en-US" sz="1600" dirty="0"/>
             </a:br>
             <a:r>
-              <a:rPr lang="en-US" sz="1600"/>
-              <a:t>paralysis</a:t>
+              <a:rPr lang="en-US" sz="1600" dirty="0"/>
+              <a:t>Smoking</a:t>
             </a:r>
             <a:br>
-              <a:rPr lang="en-US" sz="1600"/>
+              <a:rPr lang="en-US" sz="1600" dirty="0"/>
             </a:br>
             <a:r>
-              <a:rPr lang="en-US" sz="1600"/>
-              <a:t>smoking</a:t>
-            </a:r>
-            <a:br>
-              <a:rPr lang="en-US" sz="1600"/>
-            </a:br>
-            <a:r>
-              <a:rPr lang="en-US" sz="1600"/>
+              <a:rPr lang="en-US" sz="1600" dirty="0"/>
               <a:t>BMI</a:t>
             </a:r>
             <a:br>
-              <a:rPr lang="en-US" sz="1600"/>
+              <a:rPr lang="en-US" sz="1600" dirty="0"/>
             </a:br>
             <a:r>
-              <a:rPr lang="en-US" sz="1600"/>
-              <a:t>cholesterol</a:t>
+              <a:rPr lang="en-US" sz="1600" dirty="0"/>
+              <a:t>Cholesterol</a:t>
             </a:r>
             <a:br>
-              <a:rPr lang="en-US" sz="1600"/>
+              <a:rPr lang="en-US" sz="1600" dirty="0"/>
             </a:br>
             <a:br>
-              <a:rPr lang="en-US" sz="1600"/>
+              <a:rPr lang="en-US" sz="1600" dirty="0"/>
             </a:br>
-            <a:endParaRPr lang="en-US" sz="1600"/>
+            <a:endParaRPr lang="en-US" sz="1600" dirty="0"/>
           </a:p>
         </p:txBody>
       </p:sp>
